--- a/powerpoint/devops_project2_presentation.pptx
+++ b/powerpoint/devops_project2_presentation.pptx
@@ -24,12 +24,13 @@
     <p:sldId id="275" r:id="rId18"/>
     <p:sldId id="274" r:id="rId19"/>
     <p:sldId id="277" r:id="rId20"/>
-    <p:sldId id="273" r:id="rId21"/>
-    <p:sldId id="272" r:id="rId22"/>
-    <p:sldId id="271" r:id="rId23"/>
-    <p:sldId id="280" r:id="rId24"/>
-    <p:sldId id="276" r:id="rId25"/>
-    <p:sldId id="262" r:id="rId26"/>
+    <p:sldId id="281" r:id="rId21"/>
+    <p:sldId id="273" r:id="rId22"/>
+    <p:sldId id="272" r:id="rId23"/>
+    <p:sldId id="271" r:id="rId24"/>
+    <p:sldId id="280" r:id="rId25"/>
+    <p:sldId id="276" r:id="rId26"/>
+    <p:sldId id="262" r:id="rId27"/>
   </p:sldIdLst>
   <p:sldSz cx="12192000" cy="6858000"/>
   <p:notesSz cx="6858000" cy="9144000"/>
@@ -128,6 +129,11 @@
       </a:defRPr>
     </a:lvl9pPr>
   </p:defaultTextStyle>
+  <p:extLst>
+    <p:ext uri="{EFAFB233-063F-42B5-8137-9DF3F51BA10A}">
+      <p15:sldGuideLst xmlns:p15="http://schemas.microsoft.com/office/powerpoint/2012/main"/>
+    </p:ext>
+  </p:extLst>
 </p:presentation>
 </file>
 
@@ -5622,7 +5628,7 @@
           <p:cNvPr id="2" name="Title 1">
             <a:extLst>
               <a:ext uri="{FF2B5EF4-FFF2-40B4-BE49-F238E27FC236}">
-                <a16:creationId xmlns:a16="http://schemas.microsoft.com/office/drawing/2014/main" id="{F9A65554-DD1C-4181-8C59-EE739EB1B64B}"/>
+                <a16:creationId xmlns:a16="http://schemas.microsoft.com/office/drawing/2014/main" id="{3C6E7123-474B-47EF-BFB3-D8DB54117BA3}"/>
               </a:ext>
             </a:extLst>
           </p:cNvPr>
@@ -5640,63 +5646,44 @@
           <a:p>
             <a:r>
               <a:rPr lang="en-CA" dirty="0"/>
-              <a:t>Docker Overview - Containerization</a:t>
-            </a:r>
-          </a:p>
-        </p:txBody>
-      </p:sp>
-      <p:sp>
-        <p:nvSpPr>
-          <p:cNvPr id="3" name="Content Placeholder 2">
-            <a:extLst>
-              <a:ext uri="{FF2B5EF4-FFF2-40B4-BE49-F238E27FC236}">
-                <a16:creationId xmlns:a16="http://schemas.microsoft.com/office/drawing/2014/main" id="{B9A59DBB-1139-4B70-9054-A4455BF563F3}"/>
-              </a:ext>
-            </a:extLst>
-          </p:cNvPr>
-          <p:cNvSpPr>
-            <a:spLocks noGrp="1"/>
-          </p:cNvSpPr>
+              <a:t>Docker Overview</a:t>
+            </a:r>
+          </a:p>
+        </p:txBody>
+      </p:sp>
+      <p:pic>
+        <p:nvPicPr>
+          <p:cNvPr id="5" name="Content Placeholder 4">
+            <a:extLst>
+              <a:ext uri="{FF2B5EF4-FFF2-40B4-BE49-F238E27FC236}">
+                <a16:creationId xmlns:a16="http://schemas.microsoft.com/office/drawing/2014/main" id="{6F378CF5-89D0-40CD-B039-CC258C1606DD}"/>
+              </a:ext>
+            </a:extLst>
+          </p:cNvPr>
+          <p:cNvPicPr>
+            <a:picLocks noGrp="1" noChangeAspect="1"/>
+          </p:cNvPicPr>
           <p:nvPr>
             <p:ph idx="1"/>
           </p:nvPr>
-        </p:nvSpPr>
-        <p:spPr/>
-        <p:txBody>
-          <a:bodyPr/>
-          <a:lstStyle/>
-          <a:p>
-            <a:r>
-              <a:rPr lang="en-CA" dirty="0"/>
-              <a:t>Both the Jenkins server and Jenkins agent are running as docker containers as seen in assignment 2</a:t>
-            </a:r>
-          </a:p>
-          <a:p>
-            <a:r>
-              <a:rPr lang="en-CA" dirty="0"/>
-              <a:t>The local registry is hosted in a docker container</a:t>
-            </a:r>
-          </a:p>
-          <a:p>
-            <a:r>
-              <a:rPr lang="en-CA" dirty="0"/>
-              <a:t>The </a:t>
-            </a:r>
-            <a:r>
-              <a:rPr lang="en-CA" dirty="0" err="1"/>
-              <a:t>Devops</a:t>
-            </a:r>
-            <a:r>
-              <a:rPr lang="en-CA" dirty="0"/>
-              <a:t> Diagram is hosted in a docker container</a:t>
-            </a:r>
-          </a:p>
-        </p:txBody>
-      </p:sp>
+        </p:nvPicPr>
+        <p:blipFill>
+          <a:blip r:embed="rId2"/>
+          <a:stretch>
+            <a:fillRect/>
+          </a:stretch>
+        </p:blipFill>
+        <p:spPr>
+          <a:xfrm>
+            <a:off x="838200" y="1947897"/>
+            <a:ext cx="10515600" cy="4106793"/>
+          </a:xfrm>
+        </p:spPr>
+      </p:pic>
     </p:spTree>
     <p:extLst>
       <p:ext uri="{BB962C8B-B14F-4D97-AF65-F5344CB8AC3E}">
-        <p14:creationId xmlns:p14="http://schemas.microsoft.com/office/powerpoint/2010/main" val="1626165470"/>
+        <p14:creationId xmlns:p14="http://schemas.microsoft.com/office/powerpoint/2010/main" val="2904579210"/>
       </p:ext>
     </p:extLst>
   </p:cSld>
@@ -5725,6 +5712,112 @@
       </p:grpSpPr>
       <p:sp>
         <p:nvSpPr>
+          <p:cNvPr id="2" name="Title 1">
+            <a:extLst>
+              <a:ext uri="{FF2B5EF4-FFF2-40B4-BE49-F238E27FC236}">
+                <a16:creationId xmlns:a16="http://schemas.microsoft.com/office/drawing/2014/main" id="{F9A65554-DD1C-4181-8C59-EE739EB1B64B}"/>
+              </a:ext>
+            </a:extLst>
+          </p:cNvPr>
+          <p:cNvSpPr>
+            <a:spLocks noGrp="1"/>
+          </p:cNvSpPr>
+          <p:nvPr>
+            <p:ph type="title"/>
+          </p:nvPr>
+        </p:nvSpPr>
+        <p:spPr/>
+        <p:txBody>
+          <a:bodyPr/>
+          <a:lstStyle/>
+          <a:p>
+            <a:r>
+              <a:rPr lang="en-CA" dirty="0"/>
+              <a:t>Docker Overview - Containerization</a:t>
+            </a:r>
+          </a:p>
+        </p:txBody>
+      </p:sp>
+      <p:sp>
+        <p:nvSpPr>
+          <p:cNvPr id="3" name="Content Placeholder 2">
+            <a:extLst>
+              <a:ext uri="{FF2B5EF4-FFF2-40B4-BE49-F238E27FC236}">
+                <a16:creationId xmlns:a16="http://schemas.microsoft.com/office/drawing/2014/main" id="{B9A59DBB-1139-4B70-9054-A4455BF563F3}"/>
+              </a:ext>
+            </a:extLst>
+          </p:cNvPr>
+          <p:cNvSpPr>
+            <a:spLocks noGrp="1"/>
+          </p:cNvSpPr>
+          <p:nvPr>
+            <p:ph idx="1"/>
+          </p:nvPr>
+        </p:nvSpPr>
+        <p:spPr/>
+        <p:txBody>
+          <a:bodyPr/>
+          <a:lstStyle/>
+          <a:p>
+            <a:r>
+              <a:rPr lang="en-CA" dirty="0"/>
+              <a:t>Both the Jenkins server and Jenkins agent are running as docker containers as seen in assignment 2</a:t>
+            </a:r>
+          </a:p>
+          <a:p>
+            <a:r>
+              <a:rPr lang="en-CA" dirty="0"/>
+              <a:t>The local registry is hosted in a docker container</a:t>
+            </a:r>
+          </a:p>
+          <a:p>
+            <a:r>
+              <a:rPr lang="en-CA" dirty="0"/>
+              <a:t>The </a:t>
+            </a:r>
+            <a:r>
+              <a:rPr lang="en-CA" dirty="0" err="1"/>
+              <a:t>Devops</a:t>
+            </a:r>
+            <a:r>
+              <a:rPr lang="en-CA" dirty="0"/>
+              <a:t> Diagram is hosted in a docker container</a:t>
+            </a:r>
+          </a:p>
+        </p:txBody>
+      </p:sp>
+    </p:spTree>
+    <p:extLst>
+      <p:ext uri="{BB962C8B-B14F-4D97-AF65-F5344CB8AC3E}">
+        <p14:creationId xmlns:p14="http://schemas.microsoft.com/office/powerpoint/2010/main" val="1626165470"/>
+      </p:ext>
+    </p:extLst>
+  </p:cSld>
+  <p:clrMapOvr>
+    <a:masterClrMapping/>
+  </p:clrMapOvr>
+</p:sld>
+</file>
+
+<file path=ppt/slides/slide22.xml><?xml version="1.0" encoding="utf-8"?>
+<p:sld xmlns:a="http://schemas.openxmlformats.org/drawingml/2006/main" xmlns:r="http://schemas.openxmlformats.org/officeDocument/2006/relationships" xmlns:p="http://schemas.openxmlformats.org/presentationml/2006/main">
+  <p:cSld>
+    <p:spTree>
+      <p:nvGrpSpPr>
+        <p:cNvPr id="1" name=""/>
+        <p:cNvGrpSpPr/>
+        <p:nvPr/>
+      </p:nvGrpSpPr>
+      <p:grpSpPr>
+        <a:xfrm>
+          <a:off x="0" y="0"/>
+          <a:ext cx="0" cy="0"/>
+          <a:chOff x="0" y="0"/>
+          <a:chExt cx="0" cy="0"/>
+        </a:xfrm>
+      </p:grpSpPr>
+      <p:sp>
+        <p:nvSpPr>
           <p:cNvPr id="10" name="Rectangle 9">
             <a:extLst>
               <a:ext uri="{FF2B5EF4-FFF2-40B4-BE49-F238E27FC236}">
@@ -6021,7 +6114,7 @@
 </p:sld>
 </file>
 
-<file path=ppt/slides/slide22.xml><?xml version="1.0" encoding="utf-8"?>
+<file path=ppt/slides/slide23.xml><?xml version="1.0" encoding="utf-8"?>
 <p:sld xmlns:a="http://schemas.openxmlformats.org/drawingml/2006/main" xmlns:r="http://schemas.openxmlformats.org/officeDocument/2006/relationships" xmlns:p="http://schemas.openxmlformats.org/presentationml/2006/main">
   <p:cSld>
     <p:spTree>
@@ -6165,7 +6258,7 @@
 </p:sld>
 </file>
 
-<file path=ppt/slides/slide23.xml><?xml version="1.0" encoding="utf-8"?>
+<file path=ppt/slides/slide24.xml><?xml version="1.0" encoding="utf-8"?>
 <p:sld xmlns:a="http://schemas.openxmlformats.org/drawingml/2006/main" xmlns:r="http://schemas.openxmlformats.org/officeDocument/2006/relationships" xmlns:p="http://schemas.openxmlformats.org/presentationml/2006/main">
   <p:cSld>
     <p:spTree>
@@ -6275,7 +6368,7 @@
 </p:sld>
 </file>
 
-<file path=ppt/slides/slide24.xml><?xml version="1.0" encoding="utf-8"?>
+<file path=ppt/slides/slide25.xml><?xml version="1.0" encoding="utf-8"?>
 <p:sld xmlns:a="http://schemas.openxmlformats.org/drawingml/2006/main" xmlns:r="http://schemas.openxmlformats.org/officeDocument/2006/relationships" xmlns:p="http://schemas.openxmlformats.org/presentationml/2006/main">
   <p:cSld>
     <p:bg>
@@ -6684,7 +6777,7 @@
 </p:sld>
 </file>
 
-<file path=ppt/slides/slide25.xml><?xml version="1.0" encoding="utf-8"?>
+<file path=ppt/slides/slide26.xml><?xml version="1.0" encoding="utf-8"?>
 <p:sld xmlns:a="http://schemas.openxmlformats.org/drawingml/2006/main" xmlns:r="http://schemas.openxmlformats.org/officeDocument/2006/relationships" xmlns:p="http://schemas.openxmlformats.org/presentationml/2006/main">
   <p:cSld>
     <p:spTree>

--- a/powerpoint/devops_project2_presentation.pptx
+++ b/powerpoint/devops_project2_presentation.pptx
@@ -7,30 +7,33 @@
   <p:sldIdLst>
     <p:sldId id="256" r:id="rId2"/>
     <p:sldId id="258" r:id="rId3"/>
-    <p:sldId id="269" r:id="rId4"/>
-    <p:sldId id="259" r:id="rId5"/>
-    <p:sldId id="264" r:id="rId6"/>
-    <p:sldId id="260" r:id="rId7"/>
-    <p:sldId id="257" r:id="rId8"/>
-    <p:sldId id="261" r:id="rId9"/>
-    <p:sldId id="278" r:id="rId10"/>
-    <p:sldId id="263" r:id="rId11"/>
-    <p:sldId id="266" r:id="rId12"/>
-    <p:sldId id="267" r:id="rId13"/>
-    <p:sldId id="265" r:id="rId14"/>
-    <p:sldId id="268" r:id="rId15"/>
-    <p:sldId id="279" r:id="rId16"/>
-    <p:sldId id="270" r:id="rId17"/>
-    <p:sldId id="275" r:id="rId18"/>
-    <p:sldId id="274" r:id="rId19"/>
-    <p:sldId id="277" r:id="rId20"/>
-    <p:sldId id="281" r:id="rId21"/>
-    <p:sldId id="273" r:id="rId22"/>
-    <p:sldId id="272" r:id="rId23"/>
-    <p:sldId id="271" r:id="rId24"/>
-    <p:sldId id="280" r:id="rId25"/>
-    <p:sldId id="276" r:id="rId26"/>
-    <p:sldId id="262" r:id="rId27"/>
+    <p:sldId id="262" r:id="rId4"/>
+    <p:sldId id="282" r:id="rId5"/>
+    <p:sldId id="283" r:id="rId6"/>
+    <p:sldId id="284" r:id="rId7"/>
+    <p:sldId id="269" r:id="rId8"/>
+    <p:sldId id="259" r:id="rId9"/>
+    <p:sldId id="264" r:id="rId10"/>
+    <p:sldId id="260" r:id="rId11"/>
+    <p:sldId id="257" r:id="rId12"/>
+    <p:sldId id="261" r:id="rId13"/>
+    <p:sldId id="278" r:id="rId14"/>
+    <p:sldId id="263" r:id="rId15"/>
+    <p:sldId id="266" r:id="rId16"/>
+    <p:sldId id="267" r:id="rId17"/>
+    <p:sldId id="265" r:id="rId18"/>
+    <p:sldId id="268" r:id="rId19"/>
+    <p:sldId id="279" r:id="rId20"/>
+    <p:sldId id="270" r:id="rId21"/>
+    <p:sldId id="275" r:id="rId22"/>
+    <p:sldId id="274" r:id="rId23"/>
+    <p:sldId id="277" r:id="rId24"/>
+    <p:sldId id="281" r:id="rId25"/>
+    <p:sldId id="273" r:id="rId26"/>
+    <p:sldId id="272" r:id="rId27"/>
+    <p:sldId id="271" r:id="rId28"/>
+    <p:sldId id="280" r:id="rId29"/>
+    <p:sldId id="276" r:id="rId30"/>
   </p:sldIdLst>
   <p:sldSz cx="12192000" cy="6858000"/>
   <p:notesSz cx="6858000" cy="9144000"/>
@@ -286,7 +289,7 @@
           <a:p>
             <a:fld id="{F70E1FDF-1C22-447D-942C-621B5F8FAA0C}" type="datetimeFigureOut">
               <a:rPr lang="en-CA" smtClean="0"/>
-              <a:t>2021-12-04</a:t>
+              <a:t>2021-12-05</a:t>
             </a:fld>
             <a:endParaRPr lang="en-CA"/>
           </a:p>
@@ -486,7 +489,7 @@
           <a:p>
             <a:fld id="{F70E1FDF-1C22-447D-942C-621B5F8FAA0C}" type="datetimeFigureOut">
               <a:rPr lang="en-CA" smtClean="0"/>
-              <a:t>2021-12-04</a:t>
+              <a:t>2021-12-05</a:t>
             </a:fld>
             <a:endParaRPr lang="en-CA"/>
           </a:p>
@@ -696,7 +699,7 @@
           <a:p>
             <a:fld id="{F70E1FDF-1C22-447D-942C-621B5F8FAA0C}" type="datetimeFigureOut">
               <a:rPr lang="en-CA" smtClean="0"/>
-              <a:t>2021-12-04</a:t>
+              <a:t>2021-12-05</a:t>
             </a:fld>
             <a:endParaRPr lang="en-CA"/>
           </a:p>
@@ -896,7 +899,7 @@
           <a:p>
             <a:fld id="{F70E1FDF-1C22-447D-942C-621B5F8FAA0C}" type="datetimeFigureOut">
               <a:rPr lang="en-CA" smtClean="0"/>
-              <a:t>2021-12-04</a:t>
+              <a:t>2021-12-05</a:t>
             </a:fld>
             <a:endParaRPr lang="en-CA"/>
           </a:p>
@@ -1172,7 +1175,7 @@
           <a:p>
             <a:fld id="{F70E1FDF-1C22-447D-942C-621B5F8FAA0C}" type="datetimeFigureOut">
               <a:rPr lang="en-CA" smtClean="0"/>
-              <a:t>2021-12-04</a:t>
+              <a:t>2021-12-05</a:t>
             </a:fld>
             <a:endParaRPr lang="en-CA"/>
           </a:p>
@@ -1440,7 +1443,7 @@
           <a:p>
             <a:fld id="{F70E1FDF-1C22-447D-942C-621B5F8FAA0C}" type="datetimeFigureOut">
               <a:rPr lang="en-CA" smtClean="0"/>
-              <a:t>2021-12-04</a:t>
+              <a:t>2021-12-05</a:t>
             </a:fld>
             <a:endParaRPr lang="en-CA"/>
           </a:p>
@@ -1855,7 +1858,7 @@
           <a:p>
             <a:fld id="{F70E1FDF-1C22-447D-942C-621B5F8FAA0C}" type="datetimeFigureOut">
               <a:rPr lang="en-CA" smtClean="0"/>
-              <a:t>2021-12-04</a:t>
+              <a:t>2021-12-05</a:t>
             </a:fld>
             <a:endParaRPr lang="en-CA"/>
           </a:p>
@@ -1997,7 +2000,7 @@
           <a:p>
             <a:fld id="{F70E1FDF-1C22-447D-942C-621B5F8FAA0C}" type="datetimeFigureOut">
               <a:rPr lang="en-CA" smtClean="0"/>
-              <a:t>2021-12-04</a:t>
+              <a:t>2021-12-05</a:t>
             </a:fld>
             <a:endParaRPr lang="en-CA"/>
           </a:p>
@@ -2110,7 +2113,7 @@
           <a:p>
             <a:fld id="{F70E1FDF-1C22-447D-942C-621B5F8FAA0C}" type="datetimeFigureOut">
               <a:rPr lang="en-CA" smtClean="0"/>
-              <a:t>2021-12-04</a:t>
+              <a:t>2021-12-05</a:t>
             </a:fld>
             <a:endParaRPr lang="en-CA"/>
           </a:p>
@@ -2423,7 +2426,7 @@
           <a:p>
             <a:fld id="{F70E1FDF-1C22-447D-942C-621B5F8FAA0C}" type="datetimeFigureOut">
               <a:rPr lang="en-CA" smtClean="0"/>
-              <a:t>2021-12-04</a:t>
+              <a:t>2021-12-05</a:t>
             </a:fld>
             <a:endParaRPr lang="en-CA"/>
           </a:p>
@@ -2712,7 +2715,7 @@
           <a:p>
             <a:fld id="{F70E1FDF-1C22-447D-942C-621B5F8FAA0C}" type="datetimeFigureOut">
               <a:rPr lang="en-CA" smtClean="0"/>
-              <a:t>2021-12-04</a:t>
+              <a:t>2021-12-05</a:t>
             </a:fld>
             <a:endParaRPr lang="en-CA"/>
           </a:p>
@@ -2955,7 +2958,7 @@
           <a:p>
             <a:fld id="{F70E1FDF-1C22-447D-942C-621B5F8FAA0C}" type="datetimeFigureOut">
               <a:rPr lang="en-CA" smtClean="0"/>
-              <a:t>2021-12-04</a:t>
+              <a:t>2021-12-05</a:t>
             </a:fld>
             <a:endParaRPr lang="en-CA"/>
           </a:p>
@@ -3436,13 +3439,8 @@
           <a:p>
             <a:r>
               <a:rPr lang="en-CA" dirty="0"/>
-              <a:t>Kevin &amp; </a:t>
-            </a:r>
-            <a:r>
-              <a:rPr lang="en-CA" dirty="0" err="1"/>
-              <a:t>Akshay</a:t>
-            </a:r>
-            <a:endParaRPr lang="en-CA" dirty="0"/>
+              <a:t>Kevin Hutchison</a:t>
+            </a:r>
           </a:p>
         </p:txBody>
       </p:sp>
@@ -3460,6 +3458,1030 @@
 </file>
 
 <file path=ppt/slides/slide10.xml><?xml version="1.0" encoding="utf-8"?>
+<p:sld xmlns:a="http://schemas.openxmlformats.org/drawingml/2006/main" xmlns:r="http://schemas.openxmlformats.org/officeDocument/2006/relationships" xmlns:p="http://schemas.openxmlformats.org/presentationml/2006/main">
+  <p:cSld>
+    <p:bg>
+      <p:bgPr>
+        <a:solidFill>
+          <a:schemeClr val="bg1"/>
+        </a:solidFill>
+        <a:effectLst/>
+      </p:bgPr>
+    </p:bg>
+    <p:spTree>
+      <p:nvGrpSpPr>
+        <p:cNvPr id="1" name=""/>
+        <p:cNvGrpSpPr/>
+        <p:nvPr/>
+      </p:nvGrpSpPr>
+      <p:grpSpPr>
+        <a:xfrm>
+          <a:off x="0" y="0"/>
+          <a:ext cx="0" cy="0"/>
+          <a:chOff x="0" y="0"/>
+          <a:chExt cx="0" cy="0"/>
+        </a:xfrm>
+      </p:grpSpPr>
+      <p:sp>
+        <p:nvSpPr>
+          <p:cNvPr id="10" name="Rectangle 9">
+            <a:extLst>
+              <a:ext uri="{FF2B5EF4-FFF2-40B4-BE49-F238E27FC236}">
+                <a16:creationId xmlns:a16="http://schemas.microsoft.com/office/drawing/2014/main" id="{F3060C83-F051-4F0E-ABAD-AA0DFC48B218}"/>
+              </a:ext>
+              <a:ext uri="{C183D7F6-B498-43B3-948B-1728B52AA6E4}">
+                <adec:decorative xmlns:adec="http://schemas.microsoft.com/office/drawing/2017/decorative" val="1"/>
+              </a:ext>
+            </a:extLst>
+          </p:cNvPr>
+          <p:cNvSpPr>
+            <a:spLocks noGrp="1" noRot="1" noChangeAspect="1" noMove="1" noResize="1" noEditPoints="1" noAdjustHandles="1" noChangeArrowheads="1" noChangeShapeType="1" noTextEdit="1"/>
+          </p:cNvSpPr>
+          <p:nvPr>
+            <p:extLst>
+              <p:ext uri="{386F3935-93C4-4BCD-93E2-E3B085C9AB24}">
+                <p16:designElem xmlns:p16="http://schemas.microsoft.com/office/powerpoint/2015/main" val="1"/>
+              </p:ext>
+            </p:extLst>
+          </p:nvPr>
+        </p:nvSpPr>
+        <p:spPr>
+          <a:xfrm>
+            <a:off x="0" y="0"/>
+            <a:ext cx="12192000" cy="6858000"/>
+          </a:xfrm>
+          <a:prstGeom prst="rect">
+            <a:avLst/>
+          </a:prstGeom>
+          <a:solidFill>
+            <a:schemeClr val="bg1"/>
+          </a:solidFill>
+          <a:ln>
+            <a:noFill/>
+          </a:ln>
+        </p:spPr>
+        <p:style>
+          <a:lnRef idx="2">
+            <a:schemeClr val="accent1">
+              <a:shade val="50000"/>
+            </a:schemeClr>
+          </a:lnRef>
+          <a:fillRef idx="1">
+            <a:schemeClr val="accent1"/>
+          </a:fillRef>
+          <a:effectRef idx="0">
+            <a:schemeClr val="accent1"/>
+          </a:effectRef>
+          <a:fontRef idx="minor">
+            <a:schemeClr val="lt1"/>
+          </a:fontRef>
+        </p:style>
+        <p:txBody>
+          <a:bodyPr rtlCol="0" anchor="ctr"/>
+          <a:lstStyle/>
+          <a:p>
+            <a:pPr algn="ctr"/>
+            <a:endParaRPr lang="en-US" dirty="0"/>
+          </a:p>
+        </p:txBody>
+      </p:sp>
+      <p:sp>
+        <p:nvSpPr>
+          <p:cNvPr id="12" name="Freeform: Shape 11">
+            <a:extLst>
+              <a:ext uri="{FF2B5EF4-FFF2-40B4-BE49-F238E27FC236}">
+                <a16:creationId xmlns:a16="http://schemas.microsoft.com/office/drawing/2014/main" id="{83C98ABE-055B-441F-B07E-44F97F083C39}"/>
+              </a:ext>
+              <a:ext uri="{C183D7F6-B498-43B3-948B-1728B52AA6E4}">
+                <adec:decorative xmlns:adec="http://schemas.microsoft.com/office/drawing/2017/decorative" val="1"/>
+              </a:ext>
+            </a:extLst>
+          </p:cNvPr>
+          <p:cNvSpPr>
+            <a:spLocks noGrp="1" noRot="1" noChangeAspect="1" noMove="1" noResize="1" noEditPoints="1" noAdjustHandles="1" noChangeArrowheads="1" noChangeShapeType="1" noTextEdit="1"/>
+          </p:cNvSpPr>
+          <p:nvPr>
+            <p:extLst>
+              <p:ext uri="{386F3935-93C4-4BCD-93E2-E3B085C9AB24}">
+                <p16:designElem xmlns:p16="http://schemas.microsoft.com/office/powerpoint/2015/main" val="1"/>
+              </p:ext>
+            </p:extLst>
+          </p:nvPr>
+        </p:nvSpPr>
+        <p:spPr>
+          <a:xfrm rot="18900000" flipH="1">
+            <a:off x="-376156" y="-253670"/>
+            <a:ext cx="1827638" cy="1376989"/>
+          </a:xfrm>
+          <a:custGeom>
+            <a:avLst/>
+            <a:gdLst>
+              <a:gd name="connsiteX0" fmla="*/ 0 w 1827638"/>
+              <a:gd name="connsiteY0" fmla="*/ 987379 h 1376989"/>
+              <a:gd name="connsiteX1" fmla="*/ 987379 w 1827638"/>
+              <a:gd name="connsiteY1" fmla="*/ 0 h 1376989"/>
+              <a:gd name="connsiteX2" fmla="*/ 1827638 w 1827638"/>
+              <a:gd name="connsiteY2" fmla="*/ 840260 h 1376989"/>
+              <a:gd name="connsiteX3" fmla="*/ 1827638 w 1827638"/>
+              <a:gd name="connsiteY3" fmla="*/ 1376989 h 1376989"/>
+              <a:gd name="connsiteX4" fmla="*/ 0 w 1827638"/>
+              <a:gd name="connsiteY4" fmla="*/ 1376989 h 1376989"/>
+            </a:gdLst>
+            <a:ahLst/>
+            <a:cxnLst>
+              <a:cxn ang="0">
+                <a:pos x="connsiteX0" y="connsiteY0"/>
+              </a:cxn>
+              <a:cxn ang="0">
+                <a:pos x="connsiteX1" y="connsiteY1"/>
+              </a:cxn>
+              <a:cxn ang="0">
+                <a:pos x="connsiteX2" y="connsiteY2"/>
+              </a:cxn>
+              <a:cxn ang="0">
+                <a:pos x="connsiteX3" y="connsiteY3"/>
+              </a:cxn>
+              <a:cxn ang="0">
+                <a:pos x="connsiteX4" y="connsiteY4"/>
+              </a:cxn>
+            </a:cxnLst>
+            <a:rect l="l" t="t" r="r" b="b"/>
+            <a:pathLst>
+              <a:path w="1827638" h="1376989">
+                <a:moveTo>
+                  <a:pt x="0" y="987379"/>
+                </a:moveTo>
+                <a:lnTo>
+                  <a:pt x="987379" y="0"/>
+                </a:lnTo>
+                <a:lnTo>
+                  <a:pt x="1827638" y="840260"/>
+                </a:lnTo>
+                <a:lnTo>
+                  <a:pt x="1827638" y="1376989"/>
+                </a:lnTo>
+                <a:lnTo>
+                  <a:pt x="0" y="1376989"/>
+                </a:lnTo>
+                <a:close/>
+              </a:path>
+            </a:pathLst>
+          </a:custGeom>
+          <a:solidFill>
+            <a:schemeClr val="accent1">
+              <a:alpha val="30000"/>
+            </a:schemeClr>
+          </a:solidFill>
+          <a:ln>
+            <a:noFill/>
+          </a:ln>
+        </p:spPr>
+        <p:style>
+          <a:lnRef idx="2">
+            <a:schemeClr val="accent1">
+              <a:shade val="50000"/>
+            </a:schemeClr>
+          </a:lnRef>
+          <a:fillRef idx="1">
+            <a:schemeClr val="accent1"/>
+          </a:fillRef>
+          <a:effectRef idx="0">
+            <a:schemeClr val="accent1"/>
+          </a:effectRef>
+          <a:fontRef idx="minor">
+            <a:schemeClr val="lt1"/>
+          </a:fontRef>
+        </p:style>
+        <p:txBody>
+          <a:bodyPr rtlCol="0" anchor="ctr"/>
+          <a:lstStyle/>
+          <a:p>
+            <a:pPr algn="ctr"/>
+            <a:endParaRPr lang="en-US" dirty="0"/>
+          </a:p>
+        </p:txBody>
+      </p:sp>
+      <p:sp>
+        <p:nvSpPr>
+          <p:cNvPr id="14" name="Rectangle 13">
+            <a:extLst>
+              <a:ext uri="{FF2B5EF4-FFF2-40B4-BE49-F238E27FC236}">
+                <a16:creationId xmlns:a16="http://schemas.microsoft.com/office/drawing/2014/main" id="{29FDB030-9B49-4CED-8CCD-4D99382388AC}"/>
+              </a:ext>
+              <a:ext uri="{C183D7F6-B498-43B3-948B-1728B52AA6E4}">
+                <adec:decorative xmlns:adec="http://schemas.microsoft.com/office/drawing/2017/decorative" val="1"/>
+              </a:ext>
+            </a:extLst>
+          </p:cNvPr>
+          <p:cNvSpPr>
+            <a:spLocks noGrp="1" noRot="1" noChangeAspect="1" noMove="1" noResize="1" noEditPoints="1" noAdjustHandles="1" noChangeArrowheads="1" noChangeShapeType="1" noTextEdit="1"/>
+          </p:cNvSpPr>
+          <p:nvPr>
+            <p:extLst>
+              <p:ext uri="{386F3935-93C4-4BCD-93E2-E3B085C9AB24}">
+                <p16:designElem xmlns:p16="http://schemas.microsoft.com/office/powerpoint/2015/main" val="1"/>
+              </p:ext>
+            </p:extLst>
+          </p:nvPr>
+        </p:nvSpPr>
+        <p:spPr>
+          <a:xfrm rot="18900000" flipH="1">
+            <a:off x="891641" y="422146"/>
+            <a:ext cx="645368" cy="645368"/>
+          </a:xfrm>
+          <a:prstGeom prst="rect">
+            <a:avLst/>
+          </a:prstGeom>
+          <a:solidFill>
+            <a:schemeClr val="accent1">
+              <a:alpha val="30000"/>
+            </a:schemeClr>
+          </a:solidFill>
+          <a:ln>
+            <a:noFill/>
+          </a:ln>
+        </p:spPr>
+        <p:style>
+          <a:lnRef idx="2">
+            <a:schemeClr val="accent1">
+              <a:shade val="50000"/>
+            </a:schemeClr>
+          </a:lnRef>
+          <a:fillRef idx="1">
+            <a:schemeClr val="accent1"/>
+          </a:fillRef>
+          <a:effectRef idx="0">
+            <a:schemeClr val="accent1"/>
+          </a:effectRef>
+          <a:fontRef idx="minor">
+            <a:schemeClr val="lt1"/>
+          </a:fontRef>
+        </p:style>
+        <p:txBody>
+          <a:bodyPr rtlCol="0" anchor="ctr"/>
+          <a:lstStyle/>
+          <a:p>
+            <a:pPr algn="ctr"/>
+            <a:endParaRPr lang="en-US"/>
+          </a:p>
+        </p:txBody>
+      </p:sp>
+      <p:sp>
+        <p:nvSpPr>
+          <p:cNvPr id="16" name="Rectangle 15">
+            <a:extLst>
+              <a:ext uri="{FF2B5EF4-FFF2-40B4-BE49-F238E27FC236}">
+                <a16:creationId xmlns:a16="http://schemas.microsoft.com/office/drawing/2014/main" id="{3783CA14-24A1-485C-8B30-D6A5D87987AD}"/>
+              </a:ext>
+              <a:ext uri="{C183D7F6-B498-43B3-948B-1728B52AA6E4}">
+                <adec:decorative xmlns:adec="http://schemas.microsoft.com/office/drawing/2017/decorative" val="1"/>
+              </a:ext>
+            </a:extLst>
+          </p:cNvPr>
+          <p:cNvSpPr>
+            <a:spLocks noGrp="1" noRot="1" noChangeAspect="1" noMove="1" noResize="1" noEditPoints="1" noAdjustHandles="1" noChangeArrowheads="1" noChangeShapeType="1" noTextEdit="1"/>
+          </p:cNvSpPr>
+          <p:nvPr>
+            <p:extLst>
+              <p:ext uri="{386F3935-93C4-4BCD-93E2-E3B085C9AB24}">
+                <p16:designElem xmlns:p16="http://schemas.microsoft.com/office/powerpoint/2015/main" val="1"/>
+              </p:ext>
+            </p:extLst>
+          </p:nvPr>
+        </p:nvSpPr>
+        <p:spPr>
+          <a:xfrm rot="18900000" flipH="1">
+            <a:off x="10043482" y="655140"/>
+            <a:ext cx="687472" cy="687472"/>
+          </a:xfrm>
+          <a:prstGeom prst="rect">
+            <a:avLst/>
+          </a:prstGeom>
+          <a:solidFill>
+            <a:schemeClr val="accent4">
+              <a:alpha val="30000"/>
+            </a:schemeClr>
+          </a:solidFill>
+          <a:ln>
+            <a:noFill/>
+          </a:ln>
+        </p:spPr>
+        <p:style>
+          <a:lnRef idx="2">
+            <a:schemeClr val="accent1">
+              <a:shade val="50000"/>
+            </a:schemeClr>
+          </a:lnRef>
+          <a:fillRef idx="1">
+            <a:schemeClr val="accent1"/>
+          </a:fillRef>
+          <a:effectRef idx="0">
+            <a:schemeClr val="accent1"/>
+          </a:effectRef>
+          <a:fontRef idx="minor">
+            <a:schemeClr val="lt1"/>
+          </a:fontRef>
+        </p:style>
+        <p:txBody>
+          <a:bodyPr rtlCol="0" anchor="ctr"/>
+          <a:lstStyle/>
+          <a:p>
+            <a:pPr algn="ctr"/>
+            <a:endParaRPr lang="en-US"/>
+          </a:p>
+        </p:txBody>
+      </p:sp>
+      <p:sp>
+        <p:nvSpPr>
+          <p:cNvPr id="18" name="Freeform: Shape 17">
+            <a:extLst>
+              <a:ext uri="{FF2B5EF4-FFF2-40B4-BE49-F238E27FC236}">
+                <a16:creationId xmlns:a16="http://schemas.microsoft.com/office/drawing/2014/main" id="{9A97C86A-04D6-40F7-AE84-31AB43E6A846}"/>
+              </a:ext>
+              <a:ext uri="{C183D7F6-B498-43B3-948B-1728B52AA6E4}">
+                <adec:decorative xmlns:adec="http://schemas.microsoft.com/office/drawing/2017/decorative" val="1"/>
+              </a:ext>
+            </a:extLst>
+          </p:cNvPr>
+          <p:cNvSpPr>
+            <a:spLocks noGrp="1" noRot="1" noChangeAspect="1" noMove="1" noResize="1" noEditPoints="1" noAdjustHandles="1" noChangeArrowheads="1" noChangeShapeType="1" noTextEdit="1"/>
+          </p:cNvSpPr>
+          <p:nvPr>
+            <p:extLst>
+              <p:ext uri="{386F3935-93C4-4BCD-93E2-E3B085C9AB24}">
+                <p16:designElem xmlns:p16="http://schemas.microsoft.com/office/powerpoint/2015/main" val="1"/>
+              </p:ext>
+            </p:extLst>
+          </p:nvPr>
+        </p:nvSpPr>
+        <p:spPr>
+          <a:xfrm rot="10800000" flipH="1">
+            <a:off x="9356643" y="0"/>
+            <a:ext cx="2835357" cy="1480837"/>
+          </a:xfrm>
+          <a:custGeom>
+            <a:avLst/>
+            <a:gdLst>
+              <a:gd name="connsiteX0" fmla="*/ 2835357 w 2835357"/>
+              <a:gd name="connsiteY0" fmla="*/ 1480837 h 1480837"/>
+              <a:gd name="connsiteX1" fmla="*/ 0 w 2835357"/>
+              <a:gd name="connsiteY1" fmla="*/ 1480837 h 1480837"/>
+              <a:gd name="connsiteX2" fmla="*/ 1552727 w 2835357"/>
+              <a:gd name="connsiteY2" fmla="*/ 0 h 1480837"/>
+              <a:gd name="connsiteX3" fmla="*/ 2835357 w 2835357"/>
+              <a:gd name="connsiteY3" fmla="*/ 1223245 h 1480837"/>
+            </a:gdLst>
+            <a:ahLst/>
+            <a:cxnLst>
+              <a:cxn ang="0">
+                <a:pos x="connsiteX0" y="connsiteY0"/>
+              </a:cxn>
+              <a:cxn ang="0">
+                <a:pos x="connsiteX1" y="connsiteY1"/>
+              </a:cxn>
+              <a:cxn ang="0">
+                <a:pos x="connsiteX2" y="connsiteY2"/>
+              </a:cxn>
+              <a:cxn ang="0">
+                <a:pos x="connsiteX3" y="connsiteY3"/>
+              </a:cxn>
+            </a:cxnLst>
+            <a:rect l="l" t="t" r="r" b="b"/>
+            <a:pathLst>
+              <a:path w="2835357" h="1480837">
+                <a:moveTo>
+                  <a:pt x="2835357" y="1480837"/>
+                </a:moveTo>
+                <a:lnTo>
+                  <a:pt x="0" y="1480837"/>
+                </a:lnTo>
+                <a:lnTo>
+                  <a:pt x="1552727" y="0"/>
+                </a:lnTo>
+                <a:lnTo>
+                  <a:pt x="2835357" y="1223245"/>
+                </a:lnTo>
+                <a:close/>
+              </a:path>
+            </a:pathLst>
+          </a:custGeom>
+          <a:solidFill>
+            <a:schemeClr val="accent4">
+              <a:alpha val="30000"/>
+            </a:schemeClr>
+          </a:solidFill>
+          <a:ln>
+            <a:noFill/>
+          </a:ln>
+        </p:spPr>
+        <p:style>
+          <a:lnRef idx="2">
+            <a:schemeClr val="accent1">
+              <a:shade val="50000"/>
+            </a:schemeClr>
+          </a:lnRef>
+          <a:fillRef idx="1">
+            <a:schemeClr val="accent1"/>
+          </a:fillRef>
+          <a:effectRef idx="0">
+            <a:schemeClr val="accent1"/>
+          </a:effectRef>
+          <a:fontRef idx="minor">
+            <a:schemeClr val="lt1"/>
+          </a:fontRef>
+        </p:style>
+        <p:txBody>
+          <a:bodyPr wrap="square" rtlCol="0" anchor="ctr">
+            <a:noAutofit/>
+          </a:bodyPr>
+          <a:lstStyle/>
+          <a:p>
+            <a:pPr algn="ctr"/>
+            <a:endParaRPr lang="en-US" dirty="0"/>
+          </a:p>
+        </p:txBody>
+      </p:sp>
+      <p:sp>
+        <p:nvSpPr>
+          <p:cNvPr id="20" name="Isosceles Triangle 19">
+            <a:extLst>
+              <a:ext uri="{FF2B5EF4-FFF2-40B4-BE49-F238E27FC236}">
+                <a16:creationId xmlns:a16="http://schemas.microsoft.com/office/drawing/2014/main" id="{FF9F2414-84E8-453E-B1F3-389FDE8192D9}"/>
+              </a:ext>
+              <a:ext uri="{C183D7F6-B498-43B3-948B-1728B52AA6E4}">
+                <adec:decorative xmlns:adec="http://schemas.microsoft.com/office/drawing/2017/decorative" val="1"/>
+              </a:ext>
+            </a:extLst>
+          </p:cNvPr>
+          <p:cNvSpPr>
+            <a:spLocks noGrp="1" noRot="1" noChangeAspect="1" noMove="1" noResize="1" noEditPoints="1" noAdjustHandles="1" noChangeArrowheads="1" noChangeShapeType="1" noTextEdit="1"/>
+          </p:cNvSpPr>
+          <p:nvPr>
+            <p:extLst>
+              <p:ext uri="{386F3935-93C4-4BCD-93E2-E3B085C9AB24}">
+                <p16:designElem xmlns:p16="http://schemas.microsoft.com/office/powerpoint/2015/main" val="1"/>
+              </p:ext>
+            </p:extLst>
+          </p:nvPr>
+        </p:nvSpPr>
+        <p:spPr>
+          <a:xfrm flipH="1">
+            <a:off x="7976344" y="6115501"/>
+            <a:ext cx="1494513" cy="742499"/>
+          </a:xfrm>
+          <a:prstGeom prst="triangle">
+            <a:avLst/>
+          </a:prstGeom>
+          <a:solidFill>
+            <a:schemeClr val="accent1">
+              <a:alpha val="30000"/>
+            </a:schemeClr>
+          </a:solidFill>
+          <a:ln>
+            <a:noFill/>
+          </a:ln>
+        </p:spPr>
+        <p:style>
+          <a:lnRef idx="2">
+            <a:schemeClr val="accent1">
+              <a:shade val="50000"/>
+            </a:schemeClr>
+          </a:lnRef>
+          <a:fillRef idx="1">
+            <a:schemeClr val="accent1"/>
+          </a:fillRef>
+          <a:effectRef idx="0">
+            <a:schemeClr val="accent1"/>
+          </a:effectRef>
+          <a:fontRef idx="minor">
+            <a:schemeClr val="lt1"/>
+          </a:fontRef>
+        </p:style>
+        <p:txBody>
+          <a:bodyPr rtlCol="0" anchor="ctr"/>
+          <a:lstStyle/>
+          <a:p>
+            <a:pPr algn="ctr"/>
+            <a:endParaRPr lang="en-US"/>
+          </a:p>
+        </p:txBody>
+      </p:sp>
+      <p:pic>
+        <p:nvPicPr>
+          <p:cNvPr id="5" name="Content Placeholder 4" descr="A screenshot of a computer&#10;&#10;Description automatically generated with medium confidence">
+            <a:extLst>
+              <a:ext uri="{FF2B5EF4-FFF2-40B4-BE49-F238E27FC236}">
+                <a16:creationId xmlns:a16="http://schemas.microsoft.com/office/drawing/2014/main" id="{D0FA2BC6-7E21-45FD-90E1-0A45C4F7DA13}"/>
+              </a:ext>
+            </a:extLst>
+          </p:cNvPr>
+          <p:cNvPicPr>
+            <a:picLocks noGrp="1" noChangeAspect="1"/>
+          </p:cNvPicPr>
+          <p:nvPr>
+            <p:ph idx="1"/>
+          </p:nvPr>
+        </p:nvPicPr>
+        <p:blipFill>
+          <a:blip r:embed="rId2">
+            <a:extLst>
+              <a:ext uri="{28A0092B-C50C-407E-A947-70E740481C1C}">
+                <a14:useLocalDpi xmlns:a14="http://schemas.microsoft.com/office/drawing/2010/main" val="0"/>
+              </a:ext>
+            </a:extLst>
+          </a:blip>
+          <a:stretch>
+            <a:fillRect/>
+          </a:stretch>
+        </p:blipFill>
+        <p:spPr>
+          <a:xfrm>
+            <a:off x="-484537" y="512759"/>
+            <a:ext cx="13161074" cy="3816710"/>
+          </a:xfrm>
+          <a:prstGeom prst="rect">
+            <a:avLst/>
+          </a:prstGeom>
+          <a:ln>
+            <a:noFill/>
+          </a:ln>
+        </p:spPr>
+      </p:pic>
+      <p:sp>
+        <p:nvSpPr>
+          <p:cNvPr id="22" name="Isosceles Triangle 21">
+            <a:extLst>
+              <a:ext uri="{FF2B5EF4-FFF2-40B4-BE49-F238E27FC236}">
+                <a16:creationId xmlns:a16="http://schemas.microsoft.com/office/drawing/2014/main" id="{3ECA69A1-7536-43AC-85EF-C7106179F5ED}"/>
+              </a:ext>
+              <a:ext uri="{C183D7F6-B498-43B3-948B-1728B52AA6E4}">
+                <adec:decorative xmlns:adec="http://schemas.microsoft.com/office/drawing/2017/decorative" val="1"/>
+              </a:ext>
+            </a:extLst>
+          </p:cNvPr>
+          <p:cNvSpPr>
+            <a:spLocks noGrp="1" noRot="1" noChangeAspect="1" noMove="1" noResize="1" noEditPoints="1" noAdjustHandles="1" noChangeArrowheads="1" noChangeShapeType="1" noTextEdit="1"/>
+          </p:cNvSpPr>
+          <p:nvPr>
+            <p:extLst>
+              <p:ext uri="{386F3935-93C4-4BCD-93E2-E3B085C9AB24}">
+                <p16:designElem xmlns:p16="http://schemas.microsoft.com/office/powerpoint/2015/main" val="1"/>
+              </p:ext>
+            </p:extLst>
+          </p:nvPr>
+        </p:nvSpPr>
+        <p:spPr>
+          <a:xfrm flipH="1">
+            <a:off x="7604080" y="6453143"/>
+            <a:ext cx="814903" cy="404857"/>
+          </a:xfrm>
+          <a:prstGeom prst="triangle">
+            <a:avLst/>
+          </a:prstGeom>
+          <a:solidFill>
+            <a:schemeClr val="accent1">
+              <a:alpha val="30000"/>
+            </a:schemeClr>
+          </a:solidFill>
+          <a:ln>
+            <a:noFill/>
+          </a:ln>
+        </p:spPr>
+        <p:style>
+          <a:lnRef idx="2">
+            <a:schemeClr val="accent1">
+              <a:shade val="50000"/>
+            </a:schemeClr>
+          </a:lnRef>
+          <a:fillRef idx="1">
+            <a:schemeClr val="accent1"/>
+          </a:fillRef>
+          <a:effectRef idx="0">
+            <a:schemeClr val="accent1"/>
+          </a:effectRef>
+          <a:fontRef idx="minor">
+            <a:schemeClr val="lt1"/>
+          </a:fontRef>
+        </p:style>
+        <p:txBody>
+          <a:bodyPr rtlCol="0" anchor="ctr"/>
+          <a:lstStyle/>
+          <a:p>
+            <a:pPr algn="ctr"/>
+            <a:endParaRPr lang="en-US"/>
+          </a:p>
+        </p:txBody>
+      </p:sp>
+      <p:sp>
+        <p:nvSpPr>
+          <p:cNvPr id="15" name="TextBox 14">
+            <a:extLst>
+              <a:ext uri="{FF2B5EF4-FFF2-40B4-BE49-F238E27FC236}">
+                <a16:creationId xmlns:a16="http://schemas.microsoft.com/office/drawing/2014/main" id="{FEA0D1F0-ED60-4754-989C-68633D032E99}"/>
+              </a:ext>
+            </a:extLst>
+          </p:cNvPr>
+          <p:cNvSpPr txBox="1"/>
+          <p:nvPr/>
+        </p:nvSpPr>
+        <p:spPr>
+          <a:xfrm>
+            <a:off x="621793" y="3907412"/>
+            <a:ext cx="6579704" cy="2585323"/>
+          </a:xfrm>
+          <a:prstGeom prst="rect">
+            <a:avLst/>
+          </a:prstGeom>
+          <a:noFill/>
+        </p:spPr>
+        <p:txBody>
+          <a:bodyPr wrap="square">
+            <a:spAutoFit/>
+          </a:bodyPr>
+          <a:lstStyle/>
+          <a:p>
+            <a:r>
+              <a:rPr lang="en-CA" b="1" dirty="0"/>
+              <a:t>Key Components:</a:t>
+            </a:r>
+          </a:p>
+          <a:p>
+            <a:endParaRPr lang="en-CA" dirty="0"/>
+          </a:p>
+          <a:p>
+            <a:r>
+              <a:rPr lang="en-CA" dirty="0"/>
+              <a:t>Diagram.py</a:t>
+            </a:r>
+          </a:p>
+          <a:p>
+            <a:r>
+              <a:rPr lang="en-CA" dirty="0"/>
+              <a:t>3 Azure VMs (Ansible, Jenkins Server, Jenkins Agent)</a:t>
+            </a:r>
+          </a:p>
+          <a:p>
+            <a:r>
+              <a:rPr lang="en-CA" dirty="0"/>
+              <a:t>SCM – GitHub</a:t>
+            </a:r>
+          </a:p>
+          <a:p>
+            <a:r>
+              <a:rPr lang="en-CA" dirty="0"/>
+              <a:t>Configuration Management – Ansible</a:t>
+            </a:r>
+          </a:p>
+          <a:p>
+            <a:r>
+              <a:rPr lang="en-CA" dirty="0"/>
+              <a:t>Infrastructure as Code - Terraform</a:t>
+            </a:r>
+          </a:p>
+          <a:p>
+            <a:r>
+              <a:rPr lang="en-CA" dirty="0"/>
+              <a:t>Containerization – Docker</a:t>
+            </a:r>
+          </a:p>
+          <a:p>
+            <a:r>
+              <a:rPr lang="en-CA" dirty="0"/>
+              <a:t>CI/CD – Jenkins Multibranch Pipeline - Diagram Pipeline</a:t>
+            </a:r>
+          </a:p>
+        </p:txBody>
+      </p:sp>
+    </p:spTree>
+    <p:extLst>
+      <p:ext uri="{BB962C8B-B14F-4D97-AF65-F5344CB8AC3E}">
+        <p14:creationId xmlns:p14="http://schemas.microsoft.com/office/powerpoint/2010/main" val="1838201755"/>
+      </p:ext>
+    </p:extLst>
+  </p:cSld>
+  <p:clrMapOvr>
+    <a:masterClrMapping/>
+  </p:clrMapOvr>
+</p:sld>
+</file>
+
+<file path=ppt/slides/slide11.xml><?xml version="1.0" encoding="utf-8"?>
+<p:sld xmlns:a="http://schemas.openxmlformats.org/drawingml/2006/main" xmlns:r="http://schemas.openxmlformats.org/officeDocument/2006/relationships" xmlns:p="http://schemas.openxmlformats.org/presentationml/2006/main">
+  <p:cSld>
+    <p:spTree>
+      <p:nvGrpSpPr>
+        <p:cNvPr id="1" name=""/>
+        <p:cNvGrpSpPr/>
+        <p:nvPr/>
+      </p:nvGrpSpPr>
+      <p:grpSpPr>
+        <a:xfrm>
+          <a:off x="0" y="0"/>
+          <a:ext cx="0" cy="0"/>
+          <a:chOff x="0" y="0"/>
+          <a:chExt cx="0" cy="0"/>
+        </a:xfrm>
+      </p:grpSpPr>
+      <p:sp>
+        <p:nvSpPr>
+          <p:cNvPr id="2" name="Title 1">
+            <a:extLst>
+              <a:ext uri="{FF2B5EF4-FFF2-40B4-BE49-F238E27FC236}">
+                <a16:creationId xmlns:a16="http://schemas.microsoft.com/office/drawing/2014/main" id="{FA906E1A-B7FC-4354-83F0-3A0F153733E2}"/>
+              </a:ext>
+            </a:extLst>
+          </p:cNvPr>
+          <p:cNvSpPr>
+            <a:spLocks noGrp="1"/>
+          </p:cNvSpPr>
+          <p:nvPr>
+            <p:ph type="title"/>
+          </p:nvPr>
+        </p:nvSpPr>
+        <p:spPr/>
+        <p:txBody>
+          <a:bodyPr/>
+          <a:lstStyle/>
+          <a:p>
+            <a:r>
+              <a:rPr lang="en-CA" dirty="0"/>
+              <a:t>Diagram.py</a:t>
+            </a:r>
+          </a:p>
+        </p:txBody>
+      </p:sp>
+      <p:sp>
+        <p:nvSpPr>
+          <p:cNvPr id="3" name="Content Placeholder 2">
+            <a:extLst>
+              <a:ext uri="{FF2B5EF4-FFF2-40B4-BE49-F238E27FC236}">
+                <a16:creationId xmlns:a16="http://schemas.microsoft.com/office/drawing/2014/main" id="{7FE78A2A-0DED-425C-B6E9-97154700E120}"/>
+              </a:ext>
+            </a:extLst>
+          </p:cNvPr>
+          <p:cNvSpPr>
+            <a:spLocks noGrp="1"/>
+          </p:cNvSpPr>
+          <p:nvPr>
+            <p:ph sz="half" idx="1"/>
+          </p:nvPr>
+        </p:nvSpPr>
+        <p:spPr>
+          <a:xfrm>
+            <a:off x="838199" y="1825625"/>
+            <a:ext cx="10222149" cy="4351338"/>
+          </a:xfrm>
+        </p:spPr>
+        <p:txBody>
+          <a:bodyPr/>
+          <a:lstStyle/>
+          <a:p>
+            <a:r>
+              <a:rPr lang="en-CA" dirty="0"/>
+              <a:t>100% Version Controlled</a:t>
+            </a:r>
+          </a:p>
+          <a:p>
+            <a:r>
+              <a:rPr lang="en-CA" dirty="0"/>
+              <a:t>Using python library diagram</a:t>
+            </a:r>
+          </a:p>
+          <a:p>
+            <a:r>
+              <a:rPr lang="en-CA" dirty="0"/>
+              <a:t>Changes are made in code, then image is subsequently generated</a:t>
+            </a:r>
+          </a:p>
+          <a:p>
+            <a:pPr marL="0" indent="0">
+              <a:buNone/>
+            </a:pPr>
+            <a:endParaRPr lang="en-CA" dirty="0"/>
+          </a:p>
+          <a:p>
+            <a:pPr marL="0" indent="0">
+              <a:buNone/>
+            </a:pPr>
+            <a:r>
+              <a:rPr lang="en-CA" dirty="0"/>
+              <a:t>Advantages:</a:t>
+            </a:r>
+          </a:p>
+          <a:p>
+            <a:r>
+              <a:rPr lang="en-CA" dirty="0"/>
+              <a:t>Changes are tracked</a:t>
+            </a:r>
+          </a:p>
+          <a:p>
+            <a:r>
+              <a:rPr lang="en-CA" dirty="0"/>
+              <a:t>Coders can design diagram without help of artists</a:t>
+            </a:r>
+          </a:p>
+          <a:p>
+            <a:r>
+              <a:rPr lang="en-CA" dirty="0"/>
+              <a:t>Helps multiple users collaborate</a:t>
+            </a:r>
+          </a:p>
+          <a:p>
+            <a:endParaRPr lang="en-CA" dirty="0"/>
+          </a:p>
+          <a:p>
+            <a:endParaRPr lang="en-CA" dirty="0"/>
+          </a:p>
+        </p:txBody>
+      </p:sp>
+    </p:spTree>
+    <p:extLst>
+      <p:ext uri="{BB962C8B-B14F-4D97-AF65-F5344CB8AC3E}">
+        <p14:creationId xmlns:p14="http://schemas.microsoft.com/office/powerpoint/2010/main" val="2123552538"/>
+      </p:ext>
+    </p:extLst>
+  </p:cSld>
+  <p:clrMapOvr>
+    <a:masterClrMapping/>
+  </p:clrMapOvr>
+</p:sld>
+</file>
+
+<file path=ppt/slides/slide12.xml><?xml version="1.0" encoding="utf-8"?>
+<p:sld xmlns:a="http://schemas.openxmlformats.org/drawingml/2006/main" xmlns:r="http://schemas.openxmlformats.org/officeDocument/2006/relationships" xmlns:p="http://schemas.openxmlformats.org/presentationml/2006/main">
+  <p:cSld>
+    <p:spTree>
+      <p:nvGrpSpPr>
+        <p:cNvPr id="1" name=""/>
+        <p:cNvGrpSpPr/>
+        <p:nvPr/>
+      </p:nvGrpSpPr>
+      <p:grpSpPr>
+        <a:xfrm>
+          <a:off x="0" y="0"/>
+          <a:ext cx="0" cy="0"/>
+          <a:chOff x="0" y="0"/>
+          <a:chExt cx="0" cy="0"/>
+        </a:xfrm>
+      </p:grpSpPr>
+      <p:sp>
+        <p:nvSpPr>
+          <p:cNvPr id="5" name="Title 4">
+            <a:extLst>
+              <a:ext uri="{FF2B5EF4-FFF2-40B4-BE49-F238E27FC236}">
+                <a16:creationId xmlns:a16="http://schemas.microsoft.com/office/drawing/2014/main" id="{CEC8C425-6314-422F-970F-F216BF891EA7}"/>
+              </a:ext>
+            </a:extLst>
+          </p:cNvPr>
+          <p:cNvSpPr>
+            <a:spLocks noGrp="1"/>
+          </p:cNvSpPr>
+          <p:nvPr>
+            <p:ph type="title"/>
+          </p:nvPr>
+        </p:nvSpPr>
+        <p:spPr/>
+        <p:txBody>
+          <a:bodyPr/>
+          <a:lstStyle/>
+          <a:p>
+            <a:r>
+              <a:rPr lang="en-CA" dirty="0"/>
+              <a:t>Diagram.py</a:t>
+            </a:r>
+          </a:p>
+        </p:txBody>
+      </p:sp>
+      <p:pic>
+        <p:nvPicPr>
+          <p:cNvPr id="8" name="Content Placeholder 7">
+            <a:extLst>
+              <a:ext uri="{FF2B5EF4-FFF2-40B4-BE49-F238E27FC236}">
+                <a16:creationId xmlns:a16="http://schemas.microsoft.com/office/drawing/2014/main" id="{0F8DCA7B-B96B-4258-B24B-1238733ED637}"/>
+              </a:ext>
+            </a:extLst>
+          </p:cNvPr>
+          <p:cNvPicPr>
+            <a:picLocks noGrp="1" noChangeAspect="1"/>
+          </p:cNvPicPr>
+          <p:nvPr>
+            <p:ph idx="1"/>
+          </p:nvPr>
+        </p:nvPicPr>
+        <p:blipFill>
+          <a:blip r:embed="rId2"/>
+          <a:stretch>
+            <a:fillRect/>
+          </a:stretch>
+        </p:blipFill>
+        <p:spPr>
+          <a:xfrm>
+            <a:off x="895620" y="1825625"/>
+            <a:ext cx="10400759" cy="4351338"/>
+          </a:xfrm>
+        </p:spPr>
+      </p:pic>
+    </p:spTree>
+    <p:extLst>
+      <p:ext uri="{BB962C8B-B14F-4D97-AF65-F5344CB8AC3E}">
+        <p14:creationId xmlns:p14="http://schemas.microsoft.com/office/powerpoint/2010/main" val="552684376"/>
+      </p:ext>
+    </p:extLst>
+  </p:cSld>
+  <p:clrMapOvr>
+    <a:masterClrMapping/>
+  </p:clrMapOvr>
+</p:sld>
+</file>
+
+<file path=ppt/slides/slide13.xml><?xml version="1.0" encoding="utf-8"?>
+<p:sld xmlns:a="http://schemas.openxmlformats.org/drawingml/2006/main" xmlns:r="http://schemas.openxmlformats.org/officeDocument/2006/relationships" xmlns:p="http://schemas.openxmlformats.org/presentationml/2006/main">
+  <p:cSld>
+    <p:spTree>
+      <p:nvGrpSpPr>
+        <p:cNvPr id="1" name=""/>
+        <p:cNvGrpSpPr/>
+        <p:nvPr/>
+      </p:nvGrpSpPr>
+      <p:grpSpPr>
+        <a:xfrm>
+          <a:off x="0" y="0"/>
+          <a:ext cx="0" cy="0"/>
+          <a:chOff x="0" y="0"/>
+          <a:chExt cx="0" cy="0"/>
+        </a:xfrm>
+      </p:grpSpPr>
+      <p:sp>
+        <p:nvSpPr>
+          <p:cNvPr id="2" name="Title 1">
+            <a:extLst>
+              <a:ext uri="{FF2B5EF4-FFF2-40B4-BE49-F238E27FC236}">
+                <a16:creationId xmlns:a16="http://schemas.microsoft.com/office/drawing/2014/main" id="{DDE0994F-9F02-45DB-80A0-227FD7D356CB}"/>
+              </a:ext>
+            </a:extLst>
+          </p:cNvPr>
+          <p:cNvSpPr>
+            <a:spLocks noGrp="1"/>
+          </p:cNvSpPr>
+          <p:nvPr>
+            <p:ph type="title"/>
+          </p:nvPr>
+        </p:nvSpPr>
+        <p:spPr/>
+        <p:txBody>
+          <a:bodyPr/>
+          <a:lstStyle/>
+          <a:p>
+            <a:r>
+              <a:rPr lang="en-CA" dirty="0"/>
+              <a:t>Diagram Generation &amp; Commit to Depot</a:t>
+            </a:r>
+          </a:p>
+        </p:txBody>
+      </p:sp>
+      <p:pic>
+        <p:nvPicPr>
+          <p:cNvPr id="5" name="Content Placeholder 4">
+            <a:extLst>
+              <a:ext uri="{FF2B5EF4-FFF2-40B4-BE49-F238E27FC236}">
+                <a16:creationId xmlns:a16="http://schemas.microsoft.com/office/drawing/2014/main" id="{8A44357F-3E13-416A-808B-4E9962DBBF1C}"/>
+              </a:ext>
+            </a:extLst>
+          </p:cNvPr>
+          <p:cNvPicPr>
+            <a:picLocks noGrp="1" noChangeAspect="1"/>
+          </p:cNvPicPr>
+          <p:nvPr>
+            <p:ph idx="1"/>
+          </p:nvPr>
+        </p:nvPicPr>
+        <p:blipFill>
+          <a:blip r:embed="rId2"/>
+          <a:stretch>
+            <a:fillRect/>
+          </a:stretch>
+        </p:blipFill>
+        <p:spPr>
+          <a:xfrm>
+            <a:off x="838200" y="2062273"/>
+            <a:ext cx="10515600" cy="3878041"/>
+          </a:xfrm>
+        </p:spPr>
+      </p:pic>
+    </p:spTree>
+    <p:extLst>
+      <p:ext uri="{BB962C8B-B14F-4D97-AF65-F5344CB8AC3E}">
+        <p14:creationId xmlns:p14="http://schemas.microsoft.com/office/powerpoint/2010/main" val="3430482005"/>
+      </p:ext>
+    </p:extLst>
+  </p:cSld>
+  <p:clrMapOvr>
+    <a:masterClrMapping/>
+  </p:clrMapOvr>
+</p:sld>
+</file>
+
+<file path=ppt/slides/slide14.xml><?xml version="1.0" encoding="utf-8"?>
 <p:sld xmlns:a="http://schemas.openxmlformats.org/drawingml/2006/main" xmlns:r="http://schemas.openxmlformats.org/officeDocument/2006/relationships" xmlns:p="http://schemas.openxmlformats.org/presentationml/2006/main">
   <p:cSld>
     <p:spTree>
@@ -3546,7 +4568,7 @@
 </p:sld>
 </file>
 
-<file path=ppt/slides/slide11.xml><?xml version="1.0" encoding="utf-8"?>
+<file path=ppt/slides/slide15.xml><?xml version="1.0" encoding="utf-8"?>
 <p:sld xmlns:a="http://schemas.openxmlformats.org/drawingml/2006/main" xmlns:r="http://schemas.openxmlformats.org/officeDocument/2006/relationships" xmlns:p="http://schemas.openxmlformats.org/presentationml/2006/main">
   <p:cSld>
     <p:spTree>
@@ -3695,7 +4717,7 @@
 </p:sld>
 </file>
 
-<file path=ppt/slides/slide12.xml><?xml version="1.0" encoding="utf-8"?>
+<file path=ppt/slides/slide16.xml><?xml version="1.0" encoding="utf-8"?>
 <p:sld xmlns:a="http://schemas.openxmlformats.org/drawingml/2006/main" xmlns:r="http://schemas.openxmlformats.org/officeDocument/2006/relationships" xmlns:p="http://schemas.openxmlformats.org/presentationml/2006/main">
   <p:cSld>
     <p:spTree>
@@ -3903,7 +4925,7 @@
 </p:sld>
 </file>
 
-<file path=ppt/slides/slide13.xml><?xml version="1.0" encoding="utf-8"?>
+<file path=ppt/slides/slide17.xml><?xml version="1.0" encoding="utf-8"?>
 <p:sld xmlns:a="http://schemas.openxmlformats.org/drawingml/2006/main" xmlns:r="http://schemas.openxmlformats.org/officeDocument/2006/relationships" xmlns:p="http://schemas.openxmlformats.org/presentationml/2006/main">
   <p:cSld>
     <p:spTree>
@@ -4027,7 +5049,7 @@
 </p:sld>
 </file>
 
-<file path=ppt/slides/slide14.xml><?xml version="1.0" encoding="utf-8"?>
+<file path=ppt/slides/slide18.xml><?xml version="1.0" encoding="utf-8"?>
 <p:sld xmlns:a="http://schemas.openxmlformats.org/drawingml/2006/main" xmlns:r="http://schemas.openxmlformats.org/officeDocument/2006/relationships" xmlns:p="http://schemas.openxmlformats.org/presentationml/2006/main">
   <p:cSld>
     <p:spTree>
@@ -4184,545 +5206,6 @@
 </p:sld>
 </file>
 
-<file path=ppt/slides/slide15.xml><?xml version="1.0" encoding="utf-8"?>
-<p:sld xmlns:a="http://schemas.openxmlformats.org/drawingml/2006/main" xmlns:r="http://schemas.openxmlformats.org/officeDocument/2006/relationships" xmlns:p="http://schemas.openxmlformats.org/presentationml/2006/main">
-  <p:cSld>
-    <p:spTree>
-      <p:nvGrpSpPr>
-        <p:cNvPr id="1" name=""/>
-        <p:cNvGrpSpPr/>
-        <p:nvPr/>
-      </p:nvGrpSpPr>
-      <p:grpSpPr>
-        <a:xfrm>
-          <a:off x="0" y="0"/>
-          <a:ext cx="0" cy="0"/>
-          <a:chOff x="0" y="0"/>
-          <a:chExt cx="0" cy="0"/>
-        </a:xfrm>
-      </p:grpSpPr>
-      <p:sp>
-        <p:nvSpPr>
-          <p:cNvPr id="4" name="Title 3">
-            <a:extLst>
-              <a:ext uri="{FF2B5EF4-FFF2-40B4-BE49-F238E27FC236}">
-                <a16:creationId xmlns:a16="http://schemas.microsoft.com/office/drawing/2014/main" id="{88D66F38-5FAE-4563-8DB7-4987E5093598}"/>
-              </a:ext>
-            </a:extLst>
-          </p:cNvPr>
-          <p:cNvSpPr>
-            <a:spLocks noGrp="1"/>
-          </p:cNvSpPr>
-          <p:nvPr>
-            <p:ph type="title"/>
-          </p:nvPr>
-        </p:nvSpPr>
-        <p:spPr/>
-        <p:txBody>
-          <a:bodyPr/>
-          <a:lstStyle/>
-          <a:p>
-            <a:r>
-              <a:rPr lang="en-CA" dirty="0"/>
-              <a:t>Terraform Overview</a:t>
-            </a:r>
-          </a:p>
-        </p:txBody>
-      </p:sp>
-      <p:pic>
-        <p:nvPicPr>
-          <p:cNvPr id="7" name="Content Placeholder 6">
-            <a:extLst>
-              <a:ext uri="{FF2B5EF4-FFF2-40B4-BE49-F238E27FC236}">
-                <a16:creationId xmlns:a16="http://schemas.microsoft.com/office/drawing/2014/main" id="{D982D066-776B-4ADD-91DC-4650739385A5}"/>
-              </a:ext>
-            </a:extLst>
-          </p:cNvPr>
-          <p:cNvPicPr>
-            <a:picLocks noGrp="1" noChangeAspect="1"/>
-          </p:cNvPicPr>
-          <p:nvPr>
-            <p:ph sz="half" idx="1"/>
-          </p:nvPr>
-        </p:nvPicPr>
-        <p:blipFill>
-          <a:blip r:embed="rId2"/>
-          <a:stretch>
-            <a:fillRect/>
-          </a:stretch>
-        </p:blipFill>
-        <p:spPr>
-          <a:xfrm>
-            <a:off x="536643" y="1825625"/>
-            <a:ext cx="6178748" cy="3473186"/>
-          </a:xfrm>
-        </p:spPr>
-      </p:pic>
-      <p:sp>
-        <p:nvSpPr>
-          <p:cNvPr id="8" name="Content Placeholder 7">
-            <a:extLst>
-              <a:ext uri="{FF2B5EF4-FFF2-40B4-BE49-F238E27FC236}">
-                <a16:creationId xmlns:a16="http://schemas.microsoft.com/office/drawing/2014/main" id="{1E18D6BD-EC55-4761-9901-F06D3D82591A}"/>
-              </a:ext>
-            </a:extLst>
-          </p:cNvPr>
-          <p:cNvSpPr>
-            <a:spLocks noGrp="1"/>
-          </p:cNvSpPr>
-          <p:nvPr>
-            <p:ph sz="half" idx="2"/>
-          </p:nvPr>
-        </p:nvSpPr>
-        <p:spPr>
-          <a:xfrm>
-            <a:off x="7023370" y="1825625"/>
-            <a:ext cx="4330430" cy="4351338"/>
-          </a:xfrm>
-        </p:spPr>
-        <p:txBody>
-          <a:bodyPr/>
-          <a:lstStyle/>
-          <a:p>
-            <a:r>
-              <a:rPr lang="en-CA" dirty="0"/>
-              <a:t>Terraform is called directly from the Jenkins Agent to ensure we have the right docker infrastructure available</a:t>
-            </a:r>
-          </a:p>
-        </p:txBody>
-      </p:sp>
-    </p:spTree>
-    <p:extLst>
-      <p:ext uri="{BB962C8B-B14F-4D97-AF65-F5344CB8AC3E}">
-        <p14:creationId xmlns:p14="http://schemas.microsoft.com/office/powerpoint/2010/main" val="1005876903"/>
-      </p:ext>
-    </p:extLst>
-  </p:cSld>
-  <p:clrMapOvr>
-    <a:masterClrMapping/>
-  </p:clrMapOvr>
-</p:sld>
-</file>
-
-<file path=ppt/slides/slide16.xml><?xml version="1.0" encoding="utf-8"?>
-<p:sld xmlns:a="http://schemas.openxmlformats.org/drawingml/2006/main" xmlns:r="http://schemas.openxmlformats.org/officeDocument/2006/relationships" xmlns:p="http://schemas.openxmlformats.org/presentationml/2006/main">
-  <p:cSld>
-    <p:spTree>
-      <p:nvGrpSpPr>
-        <p:cNvPr id="1" name=""/>
-        <p:cNvGrpSpPr/>
-        <p:nvPr/>
-      </p:nvGrpSpPr>
-      <p:grpSpPr>
-        <a:xfrm>
-          <a:off x="0" y="0"/>
-          <a:ext cx="0" cy="0"/>
-          <a:chOff x="0" y="0"/>
-          <a:chExt cx="0" cy="0"/>
-        </a:xfrm>
-      </p:grpSpPr>
-      <p:sp>
-        <p:nvSpPr>
-          <p:cNvPr id="2" name="Title 1">
-            <a:extLst>
-              <a:ext uri="{FF2B5EF4-FFF2-40B4-BE49-F238E27FC236}">
-                <a16:creationId xmlns:a16="http://schemas.microsoft.com/office/drawing/2014/main" id="{89888847-46BD-4521-AD45-1F55153DD0E9}"/>
-              </a:ext>
-            </a:extLst>
-          </p:cNvPr>
-          <p:cNvSpPr>
-            <a:spLocks noGrp="1"/>
-          </p:cNvSpPr>
-          <p:nvPr>
-            <p:ph type="title"/>
-          </p:nvPr>
-        </p:nvSpPr>
-        <p:spPr/>
-        <p:txBody>
-          <a:bodyPr/>
-          <a:lstStyle/>
-          <a:p>
-            <a:r>
-              <a:rPr lang="en-CA" dirty="0"/>
-              <a:t>Terraform Overview – Infrastructure as Code</a:t>
-            </a:r>
-          </a:p>
-        </p:txBody>
-      </p:sp>
-      <p:sp>
-        <p:nvSpPr>
-          <p:cNvPr id="3" name="Content Placeholder 2">
-            <a:extLst>
-              <a:ext uri="{FF2B5EF4-FFF2-40B4-BE49-F238E27FC236}">
-                <a16:creationId xmlns:a16="http://schemas.microsoft.com/office/drawing/2014/main" id="{1AA94322-5DAB-4DE9-9C65-39DBE2669463}"/>
-              </a:ext>
-            </a:extLst>
-          </p:cNvPr>
-          <p:cNvSpPr>
-            <a:spLocks noGrp="1"/>
-          </p:cNvSpPr>
-          <p:nvPr>
-            <p:ph sz="half" idx="1"/>
-          </p:nvPr>
-        </p:nvSpPr>
-        <p:spPr/>
-        <p:txBody>
-          <a:bodyPr/>
-          <a:lstStyle/>
-          <a:p>
-            <a:r>
-              <a:rPr lang="en-CA" dirty="0"/>
-              <a:t>We configured two terraform solutions</a:t>
-            </a:r>
-          </a:p>
-          <a:p>
-            <a:pPr lvl="1"/>
-            <a:r>
-              <a:rPr lang="en-CA" dirty="0"/>
-              <a:t>The first solution hosts a local docker registry, for us to be able to publish our own images</a:t>
-            </a:r>
-          </a:p>
-          <a:p>
-            <a:pPr marL="457200" lvl="1" indent="0">
-              <a:buNone/>
-            </a:pPr>
-            <a:endParaRPr lang="en-CA" dirty="0"/>
-          </a:p>
-        </p:txBody>
-      </p:sp>
-      <p:pic>
-        <p:nvPicPr>
-          <p:cNvPr id="5" name="Picture 4">
-            <a:extLst>
-              <a:ext uri="{FF2B5EF4-FFF2-40B4-BE49-F238E27FC236}">
-                <a16:creationId xmlns:a16="http://schemas.microsoft.com/office/drawing/2014/main" id="{7F2A1D8D-FF5C-44C6-B19D-3E654C945D57}"/>
-              </a:ext>
-            </a:extLst>
-          </p:cNvPr>
-          <p:cNvPicPr>
-            <a:picLocks noChangeAspect="1"/>
-          </p:cNvPicPr>
-          <p:nvPr/>
-        </p:nvPicPr>
-        <p:blipFill>
-          <a:blip r:embed="rId2"/>
-          <a:stretch>
-            <a:fillRect/>
-          </a:stretch>
-        </p:blipFill>
-        <p:spPr>
-          <a:xfrm>
-            <a:off x="6516149" y="1690688"/>
-            <a:ext cx="3848433" cy="4564776"/>
-          </a:xfrm>
-          <a:prstGeom prst="rect">
-            <a:avLst/>
-          </a:prstGeom>
-        </p:spPr>
-      </p:pic>
-    </p:spTree>
-    <p:extLst>
-      <p:ext uri="{BB962C8B-B14F-4D97-AF65-F5344CB8AC3E}">
-        <p14:creationId xmlns:p14="http://schemas.microsoft.com/office/powerpoint/2010/main" val="2919539327"/>
-      </p:ext>
-    </p:extLst>
-  </p:cSld>
-  <p:clrMapOvr>
-    <a:masterClrMapping/>
-  </p:clrMapOvr>
-</p:sld>
-</file>
-
-<file path=ppt/slides/slide17.xml><?xml version="1.0" encoding="utf-8"?>
-<p:sld xmlns:a="http://schemas.openxmlformats.org/drawingml/2006/main" xmlns:r="http://schemas.openxmlformats.org/officeDocument/2006/relationships" xmlns:p="http://schemas.openxmlformats.org/presentationml/2006/main">
-  <p:cSld>
-    <p:spTree>
-      <p:nvGrpSpPr>
-        <p:cNvPr id="1" name=""/>
-        <p:cNvGrpSpPr/>
-        <p:nvPr/>
-      </p:nvGrpSpPr>
-      <p:grpSpPr>
-        <a:xfrm>
-          <a:off x="0" y="0"/>
-          <a:ext cx="0" cy="0"/>
-          <a:chOff x="0" y="0"/>
-          <a:chExt cx="0" cy="0"/>
-        </a:xfrm>
-      </p:grpSpPr>
-      <p:sp>
-        <p:nvSpPr>
-          <p:cNvPr id="2" name="Title 1">
-            <a:extLst>
-              <a:ext uri="{FF2B5EF4-FFF2-40B4-BE49-F238E27FC236}">
-                <a16:creationId xmlns:a16="http://schemas.microsoft.com/office/drawing/2014/main" id="{89888847-46BD-4521-AD45-1F55153DD0E9}"/>
-              </a:ext>
-            </a:extLst>
-          </p:cNvPr>
-          <p:cNvSpPr>
-            <a:spLocks noGrp="1"/>
-          </p:cNvSpPr>
-          <p:nvPr>
-            <p:ph type="title"/>
-          </p:nvPr>
-        </p:nvSpPr>
-        <p:spPr/>
-        <p:txBody>
-          <a:bodyPr/>
-          <a:lstStyle/>
-          <a:p>
-            <a:r>
-              <a:rPr lang="en-CA" dirty="0"/>
-              <a:t>Terraform Overview – Infrastructure as Code</a:t>
-            </a:r>
-          </a:p>
-        </p:txBody>
-      </p:sp>
-      <p:sp>
-        <p:nvSpPr>
-          <p:cNvPr id="3" name="Content Placeholder 2">
-            <a:extLst>
-              <a:ext uri="{FF2B5EF4-FFF2-40B4-BE49-F238E27FC236}">
-                <a16:creationId xmlns:a16="http://schemas.microsoft.com/office/drawing/2014/main" id="{1AA94322-5DAB-4DE9-9C65-39DBE2669463}"/>
-              </a:ext>
-            </a:extLst>
-          </p:cNvPr>
-          <p:cNvSpPr>
-            <a:spLocks noGrp="1"/>
-          </p:cNvSpPr>
-          <p:nvPr>
-            <p:ph sz="half" idx="1"/>
-          </p:nvPr>
-        </p:nvSpPr>
-        <p:spPr/>
-        <p:txBody>
-          <a:bodyPr/>
-          <a:lstStyle/>
-          <a:p>
-            <a:r>
-              <a:rPr lang="en-CA" dirty="0"/>
-              <a:t>We configured two terraform solutions</a:t>
-            </a:r>
-          </a:p>
-          <a:p>
-            <a:pPr lvl="1"/>
-            <a:r>
-              <a:rPr lang="en-CA" dirty="0"/>
-              <a:t>The second solution loads our published </a:t>
-            </a:r>
-            <a:r>
-              <a:rPr lang="en-CA" dirty="0" err="1"/>
-              <a:t>Devops</a:t>
-            </a:r>
-            <a:r>
-              <a:rPr lang="en-CA" dirty="0"/>
-              <a:t>-Image docker image, based on </a:t>
-            </a:r>
-            <a:r>
-              <a:rPr lang="en-CA" dirty="0" err="1"/>
-              <a:t>NGinx</a:t>
-            </a:r>
-            <a:r>
-              <a:rPr lang="en-CA" dirty="0"/>
-              <a:t>, which hosts our Diagram on a web server in simple HTML</a:t>
-            </a:r>
-          </a:p>
-          <a:p>
-            <a:pPr lvl="1"/>
-            <a:r>
-              <a:rPr lang="en-CA" dirty="0"/>
-              <a:t>It defines a connection to the local registry </a:t>
-            </a:r>
-            <a:r>
-              <a:rPr lang="en-CA" b="1" dirty="0"/>
-              <a:t>localhost:5000 </a:t>
-            </a:r>
-            <a:r>
-              <a:rPr lang="en-CA" dirty="0"/>
-              <a:t>where the </a:t>
-            </a:r>
-            <a:r>
-              <a:rPr lang="en-CA" dirty="0" err="1"/>
-              <a:t>devops</a:t>
-            </a:r>
-            <a:r>
-              <a:rPr lang="en-CA" dirty="0"/>
-              <a:t>-diagram image is published</a:t>
-            </a:r>
-          </a:p>
-          <a:p>
-            <a:pPr marL="457200" lvl="1" indent="0">
-              <a:buNone/>
-            </a:pPr>
-            <a:endParaRPr lang="en-CA" dirty="0"/>
-          </a:p>
-        </p:txBody>
-      </p:sp>
-      <p:pic>
-        <p:nvPicPr>
-          <p:cNvPr id="6" name="Picture 5">
-            <a:extLst>
-              <a:ext uri="{FF2B5EF4-FFF2-40B4-BE49-F238E27FC236}">
-                <a16:creationId xmlns:a16="http://schemas.microsoft.com/office/drawing/2014/main" id="{2722188D-DB05-4FA9-8BD2-1DA8DD2640D0}"/>
-              </a:ext>
-            </a:extLst>
-          </p:cNvPr>
-          <p:cNvPicPr>
-            <a:picLocks noChangeAspect="1"/>
-          </p:cNvPicPr>
-          <p:nvPr/>
-        </p:nvPicPr>
-        <p:blipFill>
-          <a:blip r:embed="rId2"/>
-          <a:stretch>
-            <a:fillRect/>
-          </a:stretch>
-        </p:blipFill>
-        <p:spPr>
-          <a:xfrm>
-            <a:off x="6736881" y="1356550"/>
-            <a:ext cx="3932261" cy="5136325"/>
-          </a:xfrm>
-          <a:prstGeom prst="rect">
-            <a:avLst/>
-          </a:prstGeom>
-        </p:spPr>
-      </p:pic>
-    </p:spTree>
-    <p:extLst>
-      <p:ext uri="{BB962C8B-B14F-4D97-AF65-F5344CB8AC3E}">
-        <p14:creationId xmlns:p14="http://schemas.microsoft.com/office/powerpoint/2010/main" val="3573290369"/>
-      </p:ext>
-    </p:extLst>
-  </p:cSld>
-  <p:clrMapOvr>
-    <a:masterClrMapping/>
-  </p:clrMapOvr>
-</p:sld>
-</file>
-
-<file path=ppt/slides/slide18.xml><?xml version="1.0" encoding="utf-8"?>
-<p:sld xmlns:a="http://schemas.openxmlformats.org/drawingml/2006/main" xmlns:r="http://schemas.openxmlformats.org/officeDocument/2006/relationships" xmlns:p="http://schemas.openxmlformats.org/presentationml/2006/main">
-  <p:cSld>
-    <p:spTree>
-      <p:nvGrpSpPr>
-        <p:cNvPr id="1" name=""/>
-        <p:cNvGrpSpPr/>
-        <p:nvPr/>
-      </p:nvGrpSpPr>
-      <p:grpSpPr>
-        <a:xfrm>
-          <a:off x="0" y="0"/>
-          <a:ext cx="0" cy="0"/>
-          <a:chOff x="0" y="0"/>
-          <a:chExt cx="0" cy="0"/>
-        </a:xfrm>
-      </p:grpSpPr>
-      <p:sp>
-        <p:nvSpPr>
-          <p:cNvPr id="2" name="Title 1">
-            <a:extLst>
-              <a:ext uri="{FF2B5EF4-FFF2-40B4-BE49-F238E27FC236}">
-                <a16:creationId xmlns:a16="http://schemas.microsoft.com/office/drawing/2014/main" id="{5B1A4B73-BD41-4349-A778-8DAF1DC0E2B9}"/>
-              </a:ext>
-            </a:extLst>
-          </p:cNvPr>
-          <p:cNvSpPr>
-            <a:spLocks noGrp="1"/>
-          </p:cNvSpPr>
-          <p:nvPr>
-            <p:ph type="title"/>
-          </p:nvPr>
-        </p:nvSpPr>
-        <p:spPr/>
-        <p:txBody>
-          <a:bodyPr/>
-          <a:lstStyle/>
-          <a:p>
-            <a:r>
-              <a:rPr lang="en-CA" dirty="0"/>
-              <a:t>Terraform Overview – Infrastructure as Code</a:t>
-            </a:r>
-          </a:p>
-        </p:txBody>
-      </p:sp>
-      <p:sp>
-        <p:nvSpPr>
-          <p:cNvPr id="3" name="Content Placeholder 2">
-            <a:extLst>
-              <a:ext uri="{FF2B5EF4-FFF2-40B4-BE49-F238E27FC236}">
-                <a16:creationId xmlns:a16="http://schemas.microsoft.com/office/drawing/2014/main" id="{65E62199-1BE9-44F2-963E-89349124A566}"/>
-              </a:ext>
-            </a:extLst>
-          </p:cNvPr>
-          <p:cNvSpPr>
-            <a:spLocks noGrp="1"/>
-          </p:cNvSpPr>
-          <p:nvPr>
-            <p:ph idx="1"/>
-          </p:nvPr>
-        </p:nvSpPr>
-        <p:spPr/>
-        <p:txBody>
-          <a:bodyPr/>
-          <a:lstStyle/>
-          <a:p>
-            <a:r>
-              <a:rPr lang="en-CA" dirty="0"/>
-              <a:t>Originally we looked into having a single terraform solution for both the registry and the </a:t>
-            </a:r>
-            <a:r>
-              <a:rPr lang="en-CA" dirty="0" err="1"/>
-              <a:t>devops</a:t>
-            </a:r>
-            <a:r>
-              <a:rPr lang="en-CA" dirty="0"/>
-              <a:t>-diagram image hosted on the registry</a:t>
-            </a:r>
-          </a:p>
-          <a:p>
-            <a:r>
-              <a:rPr lang="en-CA" dirty="0"/>
-              <a:t>However, the </a:t>
-            </a:r>
-            <a:r>
-              <a:rPr lang="en-CA" dirty="0" err="1"/>
-              <a:t>devops</a:t>
-            </a:r>
-            <a:r>
-              <a:rPr lang="en-CA" dirty="0"/>
-              <a:t>-diagram has a hard  dependency on the registry both being spawned, and the </a:t>
-            </a:r>
-            <a:r>
-              <a:rPr lang="en-CA" dirty="0" err="1"/>
-              <a:t>devops</a:t>
-            </a:r>
-            <a:r>
-              <a:rPr lang="en-CA" dirty="0"/>
-              <a:t>-diagram image being published, which happens later in the pipeline</a:t>
-            </a:r>
-          </a:p>
-          <a:p>
-            <a:r>
-              <a:rPr lang="en-CA" dirty="0"/>
-              <a:t>As a result, we chose to manage two terraform solutions</a:t>
-            </a:r>
-          </a:p>
-        </p:txBody>
-      </p:sp>
-    </p:spTree>
-    <p:extLst>
-      <p:ext uri="{BB962C8B-B14F-4D97-AF65-F5344CB8AC3E}">
-        <p14:creationId xmlns:p14="http://schemas.microsoft.com/office/powerpoint/2010/main" val="3214914095"/>
-      </p:ext>
-    </p:extLst>
-  </p:cSld>
-  <p:clrMapOvr>
-    <a:masterClrMapping/>
-  </p:clrMapOvr>
-</p:sld>
-</file>
-
 <file path=ppt/slides/slide19.xml><?xml version="1.0" encoding="utf-8"?>
 <p:sld xmlns:a="http://schemas.openxmlformats.org/drawingml/2006/main" xmlns:r="http://schemas.openxmlformats.org/officeDocument/2006/relationships" xmlns:p="http://schemas.openxmlformats.org/presentationml/2006/main">
   <p:cSld>
@@ -4742,10 +5225,10 @@
       </p:grpSpPr>
       <p:sp>
         <p:nvSpPr>
-          <p:cNvPr id="2" name="Title 1">
-            <a:extLst>
-              <a:ext uri="{FF2B5EF4-FFF2-40B4-BE49-F238E27FC236}">
-                <a16:creationId xmlns:a16="http://schemas.microsoft.com/office/drawing/2014/main" id="{FFC5DAF8-9D16-4333-A758-B39BC8E9CD50}"/>
+          <p:cNvPr id="4" name="Title 3">
+            <a:extLst>
+              <a:ext uri="{FF2B5EF4-FFF2-40B4-BE49-F238E27FC236}">
+                <a16:creationId xmlns:a16="http://schemas.microsoft.com/office/drawing/2014/main" id="{88D66F38-5FAE-4563-8DB7-4987E5093598}"/>
               </a:ext>
             </a:extLst>
           </p:cNvPr>
@@ -4763,100 +5246,26 @@
           <a:p>
             <a:r>
               <a:rPr lang="en-CA" dirty="0"/>
-              <a:t>Terraform Pipeline</a:t>
-            </a:r>
-          </a:p>
-        </p:txBody>
-      </p:sp>
-      <p:sp>
-        <p:nvSpPr>
-          <p:cNvPr id="4" name="Content Placeholder 3">
-            <a:extLst>
-              <a:ext uri="{FF2B5EF4-FFF2-40B4-BE49-F238E27FC236}">
-                <a16:creationId xmlns:a16="http://schemas.microsoft.com/office/drawing/2014/main" id="{9F5D0D60-DB2E-4606-9DDF-65CDEB27FA77}"/>
-              </a:ext>
-            </a:extLst>
-          </p:cNvPr>
-          <p:cNvSpPr>
-            <a:spLocks noGrp="1"/>
-          </p:cNvSpPr>
-          <p:nvPr>
-            <p:ph sz="half" idx="1"/>
-          </p:nvPr>
-        </p:nvSpPr>
-        <p:spPr/>
-        <p:txBody>
-          <a:bodyPr/>
-          <a:lstStyle/>
-          <a:p>
-            <a:r>
-              <a:rPr lang="en-CA" dirty="0"/>
-              <a:t>Ensuring local-registry is spawned</a:t>
-            </a:r>
-          </a:p>
-          <a:p>
-            <a:endParaRPr lang="en-CA" dirty="0"/>
-          </a:p>
-          <a:p>
-            <a:endParaRPr lang="en-CA" dirty="0"/>
-          </a:p>
-        </p:txBody>
-      </p:sp>
-      <p:sp>
-        <p:nvSpPr>
-          <p:cNvPr id="5" name="Content Placeholder 4">
-            <a:extLst>
-              <a:ext uri="{FF2B5EF4-FFF2-40B4-BE49-F238E27FC236}">
-                <a16:creationId xmlns:a16="http://schemas.microsoft.com/office/drawing/2014/main" id="{6EFBF235-9F84-47BC-9357-B4C88CB56E18}"/>
-              </a:ext>
-            </a:extLst>
-          </p:cNvPr>
-          <p:cNvSpPr>
-            <a:spLocks noGrp="1"/>
-          </p:cNvSpPr>
-          <p:nvPr>
-            <p:ph sz="half" idx="2"/>
-          </p:nvPr>
-        </p:nvSpPr>
-        <p:spPr/>
-        <p:txBody>
-          <a:bodyPr/>
-          <a:lstStyle/>
-          <a:p>
-            <a:r>
-              <a:rPr lang="en-CA" dirty="0"/>
-              <a:t>Later… ensuring </a:t>
-            </a:r>
-            <a:r>
-              <a:rPr lang="en-CA" dirty="0" err="1"/>
-              <a:t>devops</a:t>
-            </a:r>
-            <a:r>
-              <a:rPr lang="en-CA" dirty="0"/>
-              <a:t>-diagram is spawned</a:t>
-            </a:r>
-          </a:p>
-          <a:p>
-            <a:endParaRPr lang="en-CA" dirty="0"/>
-          </a:p>
-          <a:p>
-            <a:endParaRPr lang="en-CA" dirty="0"/>
+              <a:t>Terraform Overview</a:t>
+            </a:r>
           </a:p>
         </p:txBody>
       </p:sp>
       <p:pic>
         <p:nvPicPr>
-          <p:cNvPr id="9" name="Picture 8">
-            <a:extLst>
-              <a:ext uri="{FF2B5EF4-FFF2-40B4-BE49-F238E27FC236}">
-                <a16:creationId xmlns:a16="http://schemas.microsoft.com/office/drawing/2014/main" id="{D4F7D61F-774D-4197-AC81-23F84DD1800E}"/>
+          <p:cNvPr id="7" name="Content Placeholder 6">
+            <a:extLst>
+              <a:ext uri="{FF2B5EF4-FFF2-40B4-BE49-F238E27FC236}">
+                <a16:creationId xmlns:a16="http://schemas.microsoft.com/office/drawing/2014/main" id="{D982D066-776B-4ADD-91DC-4650739385A5}"/>
               </a:ext>
             </a:extLst>
           </p:cNvPr>
           <p:cNvPicPr>
-            <a:picLocks noChangeAspect="1"/>
+            <a:picLocks noGrp="1" noChangeAspect="1"/>
           </p:cNvPicPr>
-          <p:nvPr/>
+          <p:nvPr>
+            <p:ph sz="half" idx="1"/>
+          </p:nvPr>
         </p:nvPicPr>
         <p:blipFill>
           <a:blip r:embed="rId2"/>
@@ -4866,48 +5275,48 @@
         </p:blipFill>
         <p:spPr>
           <a:xfrm>
-            <a:off x="952331" y="3200389"/>
-            <a:ext cx="3886537" cy="2110923"/>
+            <a:off x="536643" y="1825625"/>
+            <a:ext cx="6178748" cy="3473186"/>
           </a:xfrm>
-          <a:prstGeom prst="rect">
-            <a:avLst/>
-          </a:prstGeom>
         </p:spPr>
       </p:pic>
-      <p:pic>
-        <p:nvPicPr>
-          <p:cNvPr id="11" name="Picture 10">
-            <a:extLst>
-              <a:ext uri="{FF2B5EF4-FFF2-40B4-BE49-F238E27FC236}">
-                <a16:creationId xmlns:a16="http://schemas.microsoft.com/office/drawing/2014/main" id="{1FC8C7DD-E471-4B97-97E3-AA784C5F6468}"/>
-              </a:ext>
-            </a:extLst>
-          </p:cNvPr>
-          <p:cNvPicPr>
-            <a:picLocks noChangeAspect="1"/>
-          </p:cNvPicPr>
-          <p:nvPr/>
-        </p:nvPicPr>
-        <p:blipFill>
-          <a:blip r:embed="rId3"/>
-          <a:stretch>
-            <a:fillRect/>
-          </a:stretch>
-        </p:blipFill>
+      <p:sp>
+        <p:nvSpPr>
+          <p:cNvPr id="8" name="Content Placeholder 7">
+            <a:extLst>
+              <a:ext uri="{FF2B5EF4-FFF2-40B4-BE49-F238E27FC236}">
+                <a16:creationId xmlns:a16="http://schemas.microsoft.com/office/drawing/2014/main" id="{1E18D6BD-EC55-4761-9901-F06D3D82591A}"/>
+              </a:ext>
+            </a:extLst>
+          </p:cNvPr>
+          <p:cNvSpPr>
+            <a:spLocks noGrp="1"/>
+          </p:cNvSpPr>
+          <p:nvPr>
+            <p:ph sz="half" idx="2"/>
+          </p:nvPr>
+        </p:nvSpPr>
         <p:spPr>
           <a:xfrm>
-            <a:off x="6411793" y="3200389"/>
-            <a:ext cx="4465707" cy="2773920"/>
+            <a:off x="7023370" y="1825625"/>
+            <a:ext cx="4330430" cy="4351338"/>
           </a:xfrm>
-          <a:prstGeom prst="rect">
-            <a:avLst/>
-          </a:prstGeom>
         </p:spPr>
-      </p:pic>
+        <p:txBody>
+          <a:bodyPr/>
+          <a:lstStyle/>
+          <a:p>
+            <a:r>
+              <a:rPr lang="en-CA" dirty="0"/>
+              <a:t>Terraform is called directly from the Jenkins Agent to ensure we have the right docker infrastructure available</a:t>
+            </a:r>
+          </a:p>
+        </p:txBody>
+      </p:sp>
     </p:spTree>
     <p:extLst>
       <p:ext uri="{BB962C8B-B14F-4D97-AF65-F5344CB8AC3E}">
-        <p14:creationId xmlns:p14="http://schemas.microsoft.com/office/powerpoint/2010/main" val="2534609350"/>
+        <p14:creationId xmlns:p14="http://schemas.microsoft.com/office/powerpoint/2010/main" val="1005876903"/>
       </p:ext>
     </p:extLst>
   </p:cSld>
@@ -5436,6 +5845,12 @@
           <a:p>
             <a:r>
               <a:rPr lang="en-CA" sz="2000" dirty="0"/>
+              <a:t>Q&amp;A</a:t>
+            </a:r>
+          </a:p>
+          <a:p>
+            <a:r>
+              <a:rPr lang="en-CA" sz="2000" dirty="0"/>
               <a:t>Diagram</a:t>
             </a:r>
           </a:p>
@@ -5452,10 +5867,13 @@
             </a:r>
           </a:p>
           <a:p>
-            <a:r>
-              <a:rPr lang="en-CA" sz="2000" dirty="0"/>
-              <a:t>Q&amp;A</a:t>
-            </a:r>
+            <a:endParaRPr lang="en-CA" sz="2000" dirty="0"/>
+          </a:p>
+          <a:p>
+            <a:pPr marL="0" indent="0">
+              <a:buNone/>
+            </a:pPr>
+            <a:endParaRPr lang="en-CA" sz="2000" dirty="0"/>
           </a:p>
         </p:txBody>
       </p:sp>
@@ -5628,6 +6046,619 @@
           <p:cNvPr id="2" name="Title 1">
             <a:extLst>
               <a:ext uri="{FF2B5EF4-FFF2-40B4-BE49-F238E27FC236}">
+                <a16:creationId xmlns:a16="http://schemas.microsoft.com/office/drawing/2014/main" id="{89888847-46BD-4521-AD45-1F55153DD0E9}"/>
+              </a:ext>
+            </a:extLst>
+          </p:cNvPr>
+          <p:cNvSpPr>
+            <a:spLocks noGrp="1"/>
+          </p:cNvSpPr>
+          <p:nvPr>
+            <p:ph type="title"/>
+          </p:nvPr>
+        </p:nvSpPr>
+        <p:spPr/>
+        <p:txBody>
+          <a:bodyPr/>
+          <a:lstStyle/>
+          <a:p>
+            <a:r>
+              <a:rPr lang="en-CA" dirty="0"/>
+              <a:t>Terraform Overview – Infrastructure as Code</a:t>
+            </a:r>
+          </a:p>
+        </p:txBody>
+      </p:sp>
+      <p:sp>
+        <p:nvSpPr>
+          <p:cNvPr id="3" name="Content Placeholder 2">
+            <a:extLst>
+              <a:ext uri="{FF2B5EF4-FFF2-40B4-BE49-F238E27FC236}">
+                <a16:creationId xmlns:a16="http://schemas.microsoft.com/office/drawing/2014/main" id="{1AA94322-5DAB-4DE9-9C65-39DBE2669463}"/>
+              </a:ext>
+            </a:extLst>
+          </p:cNvPr>
+          <p:cNvSpPr>
+            <a:spLocks noGrp="1"/>
+          </p:cNvSpPr>
+          <p:nvPr>
+            <p:ph sz="half" idx="1"/>
+          </p:nvPr>
+        </p:nvSpPr>
+        <p:spPr/>
+        <p:txBody>
+          <a:bodyPr/>
+          <a:lstStyle/>
+          <a:p>
+            <a:r>
+              <a:rPr lang="en-CA" dirty="0"/>
+              <a:t>We configured two terraform solutions</a:t>
+            </a:r>
+          </a:p>
+          <a:p>
+            <a:pPr lvl="1"/>
+            <a:r>
+              <a:rPr lang="en-CA" dirty="0"/>
+              <a:t>The first solution hosts a local docker registry, for us to be able to publish our own images</a:t>
+            </a:r>
+          </a:p>
+          <a:p>
+            <a:pPr marL="457200" lvl="1" indent="0">
+              <a:buNone/>
+            </a:pPr>
+            <a:endParaRPr lang="en-CA" dirty="0"/>
+          </a:p>
+        </p:txBody>
+      </p:sp>
+      <p:pic>
+        <p:nvPicPr>
+          <p:cNvPr id="5" name="Picture 4">
+            <a:extLst>
+              <a:ext uri="{FF2B5EF4-FFF2-40B4-BE49-F238E27FC236}">
+                <a16:creationId xmlns:a16="http://schemas.microsoft.com/office/drawing/2014/main" id="{7F2A1D8D-FF5C-44C6-B19D-3E654C945D57}"/>
+              </a:ext>
+            </a:extLst>
+          </p:cNvPr>
+          <p:cNvPicPr>
+            <a:picLocks noChangeAspect="1"/>
+          </p:cNvPicPr>
+          <p:nvPr/>
+        </p:nvPicPr>
+        <p:blipFill>
+          <a:blip r:embed="rId2"/>
+          <a:stretch>
+            <a:fillRect/>
+          </a:stretch>
+        </p:blipFill>
+        <p:spPr>
+          <a:xfrm>
+            <a:off x="6516149" y="1690688"/>
+            <a:ext cx="3848433" cy="4564776"/>
+          </a:xfrm>
+          <a:prstGeom prst="rect">
+            <a:avLst/>
+          </a:prstGeom>
+        </p:spPr>
+      </p:pic>
+    </p:spTree>
+    <p:extLst>
+      <p:ext uri="{BB962C8B-B14F-4D97-AF65-F5344CB8AC3E}">
+        <p14:creationId xmlns:p14="http://schemas.microsoft.com/office/powerpoint/2010/main" val="2919539327"/>
+      </p:ext>
+    </p:extLst>
+  </p:cSld>
+  <p:clrMapOvr>
+    <a:masterClrMapping/>
+  </p:clrMapOvr>
+</p:sld>
+</file>
+
+<file path=ppt/slides/slide21.xml><?xml version="1.0" encoding="utf-8"?>
+<p:sld xmlns:a="http://schemas.openxmlformats.org/drawingml/2006/main" xmlns:r="http://schemas.openxmlformats.org/officeDocument/2006/relationships" xmlns:p="http://schemas.openxmlformats.org/presentationml/2006/main">
+  <p:cSld>
+    <p:spTree>
+      <p:nvGrpSpPr>
+        <p:cNvPr id="1" name=""/>
+        <p:cNvGrpSpPr/>
+        <p:nvPr/>
+      </p:nvGrpSpPr>
+      <p:grpSpPr>
+        <a:xfrm>
+          <a:off x="0" y="0"/>
+          <a:ext cx="0" cy="0"/>
+          <a:chOff x="0" y="0"/>
+          <a:chExt cx="0" cy="0"/>
+        </a:xfrm>
+      </p:grpSpPr>
+      <p:sp>
+        <p:nvSpPr>
+          <p:cNvPr id="2" name="Title 1">
+            <a:extLst>
+              <a:ext uri="{FF2B5EF4-FFF2-40B4-BE49-F238E27FC236}">
+                <a16:creationId xmlns:a16="http://schemas.microsoft.com/office/drawing/2014/main" id="{89888847-46BD-4521-AD45-1F55153DD0E9}"/>
+              </a:ext>
+            </a:extLst>
+          </p:cNvPr>
+          <p:cNvSpPr>
+            <a:spLocks noGrp="1"/>
+          </p:cNvSpPr>
+          <p:nvPr>
+            <p:ph type="title"/>
+          </p:nvPr>
+        </p:nvSpPr>
+        <p:spPr/>
+        <p:txBody>
+          <a:bodyPr/>
+          <a:lstStyle/>
+          <a:p>
+            <a:r>
+              <a:rPr lang="en-CA" dirty="0"/>
+              <a:t>Terraform Overview – Infrastructure as Code</a:t>
+            </a:r>
+          </a:p>
+        </p:txBody>
+      </p:sp>
+      <p:sp>
+        <p:nvSpPr>
+          <p:cNvPr id="3" name="Content Placeholder 2">
+            <a:extLst>
+              <a:ext uri="{FF2B5EF4-FFF2-40B4-BE49-F238E27FC236}">
+                <a16:creationId xmlns:a16="http://schemas.microsoft.com/office/drawing/2014/main" id="{1AA94322-5DAB-4DE9-9C65-39DBE2669463}"/>
+              </a:ext>
+            </a:extLst>
+          </p:cNvPr>
+          <p:cNvSpPr>
+            <a:spLocks noGrp="1"/>
+          </p:cNvSpPr>
+          <p:nvPr>
+            <p:ph sz="half" idx="1"/>
+          </p:nvPr>
+        </p:nvSpPr>
+        <p:spPr/>
+        <p:txBody>
+          <a:bodyPr/>
+          <a:lstStyle/>
+          <a:p>
+            <a:r>
+              <a:rPr lang="en-CA" dirty="0"/>
+              <a:t>We configured two terraform solutions</a:t>
+            </a:r>
+          </a:p>
+          <a:p>
+            <a:pPr lvl="1"/>
+            <a:r>
+              <a:rPr lang="en-CA" dirty="0"/>
+              <a:t>The second solution loads our published </a:t>
+            </a:r>
+            <a:r>
+              <a:rPr lang="en-CA" dirty="0" err="1"/>
+              <a:t>Devops</a:t>
+            </a:r>
+            <a:r>
+              <a:rPr lang="en-CA" dirty="0"/>
+              <a:t>-Image docker image, based on </a:t>
+            </a:r>
+            <a:r>
+              <a:rPr lang="en-CA" dirty="0" err="1"/>
+              <a:t>NGinx</a:t>
+            </a:r>
+            <a:r>
+              <a:rPr lang="en-CA" dirty="0"/>
+              <a:t>, which hosts our Diagram on a web server in simple HTML</a:t>
+            </a:r>
+          </a:p>
+          <a:p>
+            <a:pPr lvl="1"/>
+            <a:r>
+              <a:rPr lang="en-CA" dirty="0"/>
+              <a:t>It defines a connection to the local registry </a:t>
+            </a:r>
+            <a:r>
+              <a:rPr lang="en-CA" b="1" dirty="0"/>
+              <a:t>localhost:5000 </a:t>
+            </a:r>
+            <a:r>
+              <a:rPr lang="en-CA" dirty="0"/>
+              <a:t>where the </a:t>
+            </a:r>
+            <a:r>
+              <a:rPr lang="en-CA" dirty="0" err="1"/>
+              <a:t>devops</a:t>
+            </a:r>
+            <a:r>
+              <a:rPr lang="en-CA" dirty="0"/>
+              <a:t>-diagram image is published</a:t>
+            </a:r>
+          </a:p>
+          <a:p>
+            <a:pPr marL="457200" lvl="1" indent="0">
+              <a:buNone/>
+            </a:pPr>
+            <a:endParaRPr lang="en-CA" dirty="0"/>
+          </a:p>
+        </p:txBody>
+      </p:sp>
+      <p:pic>
+        <p:nvPicPr>
+          <p:cNvPr id="6" name="Picture 5">
+            <a:extLst>
+              <a:ext uri="{FF2B5EF4-FFF2-40B4-BE49-F238E27FC236}">
+                <a16:creationId xmlns:a16="http://schemas.microsoft.com/office/drawing/2014/main" id="{2722188D-DB05-4FA9-8BD2-1DA8DD2640D0}"/>
+              </a:ext>
+            </a:extLst>
+          </p:cNvPr>
+          <p:cNvPicPr>
+            <a:picLocks noChangeAspect="1"/>
+          </p:cNvPicPr>
+          <p:nvPr/>
+        </p:nvPicPr>
+        <p:blipFill>
+          <a:blip r:embed="rId2"/>
+          <a:stretch>
+            <a:fillRect/>
+          </a:stretch>
+        </p:blipFill>
+        <p:spPr>
+          <a:xfrm>
+            <a:off x="6736881" y="1356550"/>
+            <a:ext cx="3932261" cy="5136325"/>
+          </a:xfrm>
+          <a:prstGeom prst="rect">
+            <a:avLst/>
+          </a:prstGeom>
+        </p:spPr>
+      </p:pic>
+    </p:spTree>
+    <p:extLst>
+      <p:ext uri="{BB962C8B-B14F-4D97-AF65-F5344CB8AC3E}">
+        <p14:creationId xmlns:p14="http://schemas.microsoft.com/office/powerpoint/2010/main" val="3573290369"/>
+      </p:ext>
+    </p:extLst>
+  </p:cSld>
+  <p:clrMapOvr>
+    <a:masterClrMapping/>
+  </p:clrMapOvr>
+</p:sld>
+</file>
+
+<file path=ppt/slides/slide22.xml><?xml version="1.0" encoding="utf-8"?>
+<p:sld xmlns:a="http://schemas.openxmlformats.org/drawingml/2006/main" xmlns:r="http://schemas.openxmlformats.org/officeDocument/2006/relationships" xmlns:p="http://schemas.openxmlformats.org/presentationml/2006/main">
+  <p:cSld>
+    <p:spTree>
+      <p:nvGrpSpPr>
+        <p:cNvPr id="1" name=""/>
+        <p:cNvGrpSpPr/>
+        <p:nvPr/>
+      </p:nvGrpSpPr>
+      <p:grpSpPr>
+        <a:xfrm>
+          <a:off x="0" y="0"/>
+          <a:ext cx="0" cy="0"/>
+          <a:chOff x="0" y="0"/>
+          <a:chExt cx="0" cy="0"/>
+        </a:xfrm>
+      </p:grpSpPr>
+      <p:sp>
+        <p:nvSpPr>
+          <p:cNvPr id="2" name="Title 1">
+            <a:extLst>
+              <a:ext uri="{FF2B5EF4-FFF2-40B4-BE49-F238E27FC236}">
+                <a16:creationId xmlns:a16="http://schemas.microsoft.com/office/drawing/2014/main" id="{5B1A4B73-BD41-4349-A778-8DAF1DC0E2B9}"/>
+              </a:ext>
+            </a:extLst>
+          </p:cNvPr>
+          <p:cNvSpPr>
+            <a:spLocks noGrp="1"/>
+          </p:cNvSpPr>
+          <p:nvPr>
+            <p:ph type="title"/>
+          </p:nvPr>
+        </p:nvSpPr>
+        <p:spPr/>
+        <p:txBody>
+          <a:bodyPr/>
+          <a:lstStyle/>
+          <a:p>
+            <a:r>
+              <a:rPr lang="en-CA" dirty="0"/>
+              <a:t>Terraform Overview – Infrastructure as Code</a:t>
+            </a:r>
+          </a:p>
+        </p:txBody>
+      </p:sp>
+      <p:sp>
+        <p:nvSpPr>
+          <p:cNvPr id="3" name="Content Placeholder 2">
+            <a:extLst>
+              <a:ext uri="{FF2B5EF4-FFF2-40B4-BE49-F238E27FC236}">
+                <a16:creationId xmlns:a16="http://schemas.microsoft.com/office/drawing/2014/main" id="{65E62199-1BE9-44F2-963E-89349124A566}"/>
+              </a:ext>
+            </a:extLst>
+          </p:cNvPr>
+          <p:cNvSpPr>
+            <a:spLocks noGrp="1"/>
+          </p:cNvSpPr>
+          <p:nvPr>
+            <p:ph idx="1"/>
+          </p:nvPr>
+        </p:nvSpPr>
+        <p:spPr/>
+        <p:txBody>
+          <a:bodyPr/>
+          <a:lstStyle/>
+          <a:p>
+            <a:r>
+              <a:rPr lang="en-CA" dirty="0"/>
+              <a:t>Originally we looked into having a single terraform solution for both the registry and the </a:t>
+            </a:r>
+            <a:r>
+              <a:rPr lang="en-CA" dirty="0" err="1"/>
+              <a:t>devops</a:t>
+            </a:r>
+            <a:r>
+              <a:rPr lang="en-CA" dirty="0"/>
+              <a:t>-diagram image hosted on the registry</a:t>
+            </a:r>
+          </a:p>
+          <a:p>
+            <a:r>
+              <a:rPr lang="en-CA" dirty="0"/>
+              <a:t>However, the </a:t>
+            </a:r>
+            <a:r>
+              <a:rPr lang="en-CA" dirty="0" err="1"/>
+              <a:t>devops</a:t>
+            </a:r>
+            <a:r>
+              <a:rPr lang="en-CA" dirty="0"/>
+              <a:t>-diagram has a hard  dependency on the registry both being spawned, and the </a:t>
+            </a:r>
+            <a:r>
+              <a:rPr lang="en-CA" dirty="0" err="1"/>
+              <a:t>devops</a:t>
+            </a:r>
+            <a:r>
+              <a:rPr lang="en-CA" dirty="0"/>
+              <a:t>-diagram image being published, which happens later in the pipeline</a:t>
+            </a:r>
+          </a:p>
+          <a:p>
+            <a:r>
+              <a:rPr lang="en-CA" dirty="0"/>
+              <a:t>As a result, we chose to manage two terraform solutions</a:t>
+            </a:r>
+          </a:p>
+        </p:txBody>
+      </p:sp>
+    </p:spTree>
+    <p:extLst>
+      <p:ext uri="{BB962C8B-B14F-4D97-AF65-F5344CB8AC3E}">
+        <p14:creationId xmlns:p14="http://schemas.microsoft.com/office/powerpoint/2010/main" val="3214914095"/>
+      </p:ext>
+    </p:extLst>
+  </p:cSld>
+  <p:clrMapOvr>
+    <a:masterClrMapping/>
+  </p:clrMapOvr>
+</p:sld>
+</file>
+
+<file path=ppt/slides/slide23.xml><?xml version="1.0" encoding="utf-8"?>
+<p:sld xmlns:a="http://schemas.openxmlformats.org/drawingml/2006/main" xmlns:r="http://schemas.openxmlformats.org/officeDocument/2006/relationships" xmlns:p="http://schemas.openxmlformats.org/presentationml/2006/main">
+  <p:cSld>
+    <p:spTree>
+      <p:nvGrpSpPr>
+        <p:cNvPr id="1" name=""/>
+        <p:cNvGrpSpPr/>
+        <p:nvPr/>
+      </p:nvGrpSpPr>
+      <p:grpSpPr>
+        <a:xfrm>
+          <a:off x="0" y="0"/>
+          <a:ext cx="0" cy="0"/>
+          <a:chOff x="0" y="0"/>
+          <a:chExt cx="0" cy="0"/>
+        </a:xfrm>
+      </p:grpSpPr>
+      <p:sp>
+        <p:nvSpPr>
+          <p:cNvPr id="2" name="Title 1">
+            <a:extLst>
+              <a:ext uri="{FF2B5EF4-FFF2-40B4-BE49-F238E27FC236}">
+                <a16:creationId xmlns:a16="http://schemas.microsoft.com/office/drawing/2014/main" id="{FFC5DAF8-9D16-4333-A758-B39BC8E9CD50}"/>
+              </a:ext>
+            </a:extLst>
+          </p:cNvPr>
+          <p:cNvSpPr>
+            <a:spLocks noGrp="1"/>
+          </p:cNvSpPr>
+          <p:nvPr>
+            <p:ph type="title"/>
+          </p:nvPr>
+        </p:nvSpPr>
+        <p:spPr/>
+        <p:txBody>
+          <a:bodyPr/>
+          <a:lstStyle/>
+          <a:p>
+            <a:r>
+              <a:rPr lang="en-CA" dirty="0"/>
+              <a:t>Terraform Pipeline</a:t>
+            </a:r>
+          </a:p>
+        </p:txBody>
+      </p:sp>
+      <p:sp>
+        <p:nvSpPr>
+          <p:cNvPr id="4" name="Content Placeholder 3">
+            <a:extLst>
+              <a:ext uri="{FF2B5EF4-FFF2-40B4-BE49-F238E27FC236}">
+                <a16:creationId xmlns:a16="http://schemas.microsoft.com/office/drawing/2014/main" id="{9F5D0D60-DB2E-4606-9DDF-65CDEB27FA77}"/>
+              </a:ext>
+            </a:extLst>
+          </p:cNvPr>
+          <p:cNvSpPr>
+            <a:spLocks noGrp="1"/>
+          </p:cNvSpPr>
+          <p:nvPr>
+            <p:ph sz="half" idx="1"/>
+          </p:nvPr>
+        </p:nvSpPr>
+        <p:spPr/>
+        <p:txBody>
+          <a:bodyPr/>
+          <a:lstStyle/>
+          <a:p>
+            <a:r>
+              <a:rPr lang="en-CA" dirty="0"/>
+              <a:t>Ensuring local-registry is spawned</a:t>
+            </a:r>
+          </a:p>
+          <a:p>
+            <a:endParaRPr lang="en-CA" dirty="0"/>
+          </a:p>
+          <a:p>
+            <a:endParaRPr lang="en-CA" dirty="0"/>
+          </a:p>
+        </p:txBody>
+      </p:sp>
+      <p:sp>
+        <p:nvSpPr>
+          <p:cNvPr id="5" name="Content Placeholder 4">
+            <a:extLst>
+              <a:ext uri="{FF2B5EF4-FFF2-40B4-BE49-F238E27FC236}">
+                <a16:creationId xmlns:a16="http://schemas.microsoft.com/office/drawing/2014/main" id="{6EFBF235-9F84-47BC-9357-B4C88CB56E18}"/>
+              </a:ext>
+            </a:extLst>
+          </p:cNvPr>
+          <p:cNvSpPr>
+            <a:spLocks noGrp="1"/>
+          </p:cNvSpPr>
+          <p:nvPr>
+            <p:ph sz="half" idx="2"/>
+          </p:nvPr>
+        </p:nvSpPr>
+        <p:spPr/>
+        <p:txBody>
+          <a:bodyPr/>
+          <a:lstStyle/>
+          <a:p>
+            <a:r>
+              <a:rPr lang="en-CA" dirty="0"/>
+              <a:t>Later… ensuring </a:t>
+            </a:r>
+            <a:r>
+              <a:rPr lang="en-CA" dirty="0" err="1"/>
+              <a:t>devops</a:t>
+            </a:r>
+            <a:r>
+              <a:rPr lang="en-CA" dirty="0"/>
+              <a:t>-diagram is spawned</a:t>
+            </a:r>
+          </a:p>
+          <a:p>
+            <a:endParaRPr lang="en-CA" dirty="0"/>
+          </a:p>
+          <a:p>
+            <a:endParaRPr lang="en-CA" dirty="0"/>
+          </a:p>
+        </p:txBody>
+      </p:sp>
+      <p:pic>
+        <p:nvPicPr>
+          <p:cNvPr id="9" name="Picture 8">
+            <a:extLst>
+              <a:ext uri="{FF2B5EF4-FFF2-40B4-BE49-F238E27FC236}">
+                <a16:creationId xmlns:a16="http://schemas.microsoft.com/office/drawing/2014/main" id="{D4F7D61F-774D-4197-AC81-23F84DD1800E}"/>
+              </a:ext>
+            </a:extLst>
+          </p:cNvPr>
+          <p:cNvPicPr>
+            <a:picLocks noChangeAspect="1"/>
+          </p:cNvPicPr>
+          <p:nvPr/>
+        </p:nvPicPr>
+        <p:blipFill>
+          <a:blip r:embed="rId2"/>
+          <a:stretch>
+            <a:fillRect/>
+          </a:stretch>
+        </p:blipFill>
+        <p:spPr>
+          <a:xfrm>
+            <a:off x="952331" y="3200389"/>
+            <a:ext cx="3886537" cy="2110923"/>
+          </a:xfrm>
+          <a:prstGeom prst="rect">
+            <a:avLst/>
+          </a:prstGeom>
+        </p:spPr>
+      </p:pic>
+      <p:pic>
+        <p:nvPicPr>
+          <p:cNvPr id="11" name="Picture 10">
+            <a:extLst>
+              <a:ext uri="{FF2B5EF4-FFF2-40B4-BE49-F238E27FC236}">
+                <a16:creationId xmlns:a16="http://schemas.microsoft.com/office/drawing/2014/main" id="{1FC8C7DD-E471-4B97-97E3-AA784C5F6468}"/>
+              </a:ext>
+            </a:extLst>
+          </p:cNvPr>
+          <p:cNvPicPr>
+            <a:picLocks noChangeAspect="1"/>
+          </p:cNvPicPr>
+          <p:nvPr/>
+        </p:nvPicPr>
+        <p:blipFill>
+          <a:blip r:embed="rId3"/>
+          <a:stretch>
+            <a:fillRect/>
+          </a:stretch>
+        </p:blipFill>
+        <p:spPr>
+          <a:xfrm>
+            <a:off x="6411793" y="3200389"/>
+            <a:ext cx="4465707" cy="2773920"/>
+          </a:xfrm>
+          <a:prstGeom prst="rect">
+            <a:avLst/>
+          </a:prstGeom>
+        </p:spPr>
+      </p:pic>
+    </p:spTree>
+    <p:extLst>
+      <p:ext uri="{BB962C8B-B14F-4D97-AF65-F5344CB8AC3E}">
+        <p14:creationId xmlns:p14="http://schemas.microsoft.com/office/powerpoint/2010/main" val="2534609350"/>
+      </p:ext>
+    </p:extLst>
+  </p:cSld>
+  <p:clrMapOvr>
+    <a:masterClrMapping/>
+  </p:clrMapOvr>
+</p:sld>
+</file>
+
+<file path=ppt/slides/slide24.xml><?xml version="1.0" encoding="utf-8"?>
+<p:sld xmlns:a="http://schemas.openxmlformats.org/drawingml/2006/main" xmlns:r="http://schemas.openxmlformats.org/officeDocument/2006/relationships" xmlns:p="http://schemas.openxmlformats.org/presentationml/2006/main">
+  <p:cSld>
+    <p:spTree>
+      <p:nvGrpSpPr>
+        <p:cNvPr id="1" name=""/>
+        <p:cNvGrpSpPr/>
+        <p:nvPr/>
+      </p:nvGrpSpPr>
+      <p:grpSpPr>
+        <a:xfrm>
+          <a:off x="0" y="0"/>
+          <a:ext cx="0" cy="0"/>
+          <a:chOff x="0" y="0"/>
+          <a:chExt cx="0" cy="0"/>
+        </a:xfrm>
+      </p:grpSpPr>
+      <p:sp>
+        <p:nvSpPr>
+          <p:cNvPr id="2" name="Title 1">
+            <a:extLst>
+              <a:ext uri="{FF2B5EF4-FFF2-40B4-BE49-F238E27FC236}">
                 <a16:creationId xmlns:a16="http://schemas.microsoft.com/office/drawing/2014/main" id="{3C6E7123-474B-47EF-BFB3-D8DB54117BA3}"/>
               </a:ext>
             </a:extLst>
@@ -5693,7 +6724,7 @@
 </p:sld>
 </file>
 
-<file path=ppt/slides/slide21.xml><?xml version="1.0" encoding="utf-8"?>
+<file path=ppt/slides/slide25.xml><?xml version="1.0" encoding="utf-8"?>
 <p:sld xmlns:a="http://schemas.openxmlformats.org/drawingml/2006/main" xmlns:r="http://schemas.openxmlformats.org/officeDocument/2006/relationships" xmlns:p="http://schemas.openxmlformats.org/presentationml/2006/main">
   <p:cSld>
     <p:spTree>
@@ -5799,7 +6830,7 @@
 </p:sld>
 </file>
 
-<file path=ppt/slides/slide22.xml><?xml version="1.0" encoding="utf-8"?>
+<file path=ppt/slides/slide26.xml><?xml version="1.0" encoding="utf-8"?>
 <p:sld xmlns:a="http://schemas.openxmlformats.org/drawingml/2006/main" xmlns:r="http://schemas.openxmlformats.org/officeDocument/2006/relationships" xmlns:p="http://schemas.openxmlformats.org/presentationml/2006/main">
   <p:cSld>
     <p:spTree>
@@ -6114,7 +7145,7 @@
 </p:sld>
 </file>
 
-<file path=ppt/slides/slide23.xml><?xml version="1.0" encoding="utf-8"?>
+<file path=ppt/slides/slide27.xml><?xml version="1.0" encoding="utf-8"?>
 <p:sld xmlns:a="http://schemas.openxmlformats.org/drawingml/2006/main" xmlns:r="http://schemas.openxmlformats.org/officeDocument/2006/relationships" xmlns:p="http://schemas.openxmlformats.org/presentationml/2006/main">
   <p:cSld>
     <p:spTree>
@@ -6258,7 +7289,7 @@
 </p:sld>
 </file>
 
-<file path=ppt/slides/slide24.xml><?xml version="1.0" encoding="utf-8"?>
+<file path=ppt/slides/slide28.xml><?xml version="1.0" encoding="utf-8"?>
 <p:sld xmlns:a="http://schemas.openxmlformats.org/drawingml/2006/main" xmlns:r="http://schemas.openxmlformats.org/officeDocument/2006/relationships" xmlns:p="http://schemas.openxmlformats.org/presentationml/2006/main">
   <p:cSld>
     <p:spTree>
@@ -6368,7 +7399,7 @@
 </p:sld>
 </file>
 
-<file path=ppt/slides/slide25.xml><?xml version="1.0" encoding="utf-8"?>
+<file path=ppt/slides/slide29.xml><?xml version="1.0" encoding="utf-8"?>
 <p:sld xmlns:a="http://schemas.openxmlformats.org/drawingml/2006/main" xmlns:r="http://schemas.openxmlformats.org/officeDocument/2006/relationships" xmlns:p="http://schemas.openxmlformats.org/presentationml/2006/main">
   <p:cSld>
     <p:bg>
@@ -6777,89 +7808,6 @@
 </p:sld>
 </file>
 
-<file path=ppt/slides/slide26.xml><?xml version="1.0" encoding="utf-8"?>
-<p:sld xmlns:a="http://schemas.openxmlformats.org/drawingml/2006/main" xmlns:r="http://schemas.openxmlformats.org/officeDocument/2006/relationships" xmlns:p="http://schemas.openxmlformats.org/presentationml/2006/main">
-  <p:cSld>
-    <p:spTree>
-      <p:nvGrpSpPr>
-        <p:cNvPr id="1" name=""/>
-        <p:cNvGrpSpPr/>
-        <p:nvPr/>
-      </p:nvGrpSpPr>
-      <p:grpSpPr>
-        <a:xfrm>
-          <a:off x="0" y="0"/>
-          <a:ext cx="0" cy="0"/>
-          <a:chOff x="0" y="0"/>
-          <a:chExt cx="0" cy="0"/>
-        </a:xfrm>
-      </p:grpSpPr>
-      <p:sp>
-        <p:nvSpPr>
-          <p:cNvPr id="2" name="Title 1">
-            <a:extLst>
-              <a:ext uri="{FF2B5EF4-FFF2-40B4-BE49-F238E27FC236}">
-                <a16:creationId xmlns:a16="http://schemas.microsoft.com/office/drawing/2014/main" id="{0090B28B-ABBB-4F4C-8442-E37D16328871}"/>
-              </a:ext>
-            </a:extLst>
-          </p:cNvPr>
-          <p:cNvSpPr>
-            <a:spLocks noGrp="1"/>
-          </p:cNvSpPr>
-          <p:nvPr>
-            <p:ph type="title"/>
-          </p:nvPr>
-        </p:nvSpPr>
-        <p:spPr/>
-        <p:txBody>
-          <a:bodyPr/>
-          <a:lstStyle/>
-          <a:p>
-            <a:r>
-              <a:rPr lang="en-CA" dirty="0"/>
-              <a:t>Q &amp; A</a:t>
-            </a:r>
-          </a:p>
-        </p:txBody>
-      </p:sp>
-      <p:sp>
-        <p:nvSpPr>
-          <p:cNvPr id="3" name="Content Placeholder 2">
-            <a:extLst>
-              <a:ext uri="{FF2B5EF4-FFF2-40B4-BE49-F238E27FC236}">
-                <a16:creationId xmlns:a16="http://schemas.microsoft.com/office/drawing/2014/main" id="{7D8A34E1-AF44-4320-99E9-EAE5861DB2B8}"/>
-              </a:ext>
-            </a:extLst>
-          </p:cNvPr>
-          <p:cNvSpPr>
-            <a:spLocks noGrp="1"/>
-          </p:cNvSpPr>
-          <p:nvPr>
-            <p:ph idx="1"/>
-          </p:nvPr>
-        </p:nvSpPr>
-        <p:spPr/>
-        <p:txBody>
-          <a:bodyPr/>
-          <a:lstStyle/>
-          <a:p>
-            <a:endParaRPr lang="en-CA" dirty="0"/>
-          </a:p>
-        </p:txBody>
-      </p:sp>
-    </p:spTree>
-    <p:extLst>
-      <p:ext uri="{BB962C8B-B14F-4D97-AF65-F5344CB8AC3E}">
-        <p14:creationId xmlns:p14="http://schemas.microsoft.com/office/powerpoint/2010/main" val="2093122744"/>
-      </p:ext>
-    </p:extLst>
-  </p:cSld>
-  <p:clrMapOvr>
-    <a:masterClrMapping/>
-  </p:clrMapOvr>
-</p:sld>
-</file>
-
 <file path=ppt/slides/slide3.xml><?xml version="1.0" encoding="utf-8"?>
 <p:sld xmlns:a="http://schemas.openxmlformats.org/drawingml/2006/main" xmlns:r="http://schemas.openxmlformats.org/officeDocument/2006/relationships" xmlns:p="http://schemas.openxmlformats.org/presentationml/2006/main">
   <p:cSld>
@@ -6882,6 +7830,481 @@
           <p:cNvPr id="2" name="Title 1">
             <a:extLst>
               <a:ext uri="{FF2B5EF4-FFF2-40B4-BE49-F238E27FC236}">
+                <a16:creationId xmlns:a16="http://schemas.microsoft.com/office/drawing/2014/main" id="{0090B28B-ABBB-4F4C-8442-E37D16328871}"/>
+              </a:ext>
+            </a:extLst>
+          </p:cNvPr>
+          <p:cNvSpPr>
+            <a:spLocks noGrp="1"/>
+          </p:cNvSpPr>
+          <p:nvPr>
+            <p:ph type="title"/>
+          </p:nvPr>
+        </p:nvSpPr>
+        <p:spPr/>
+        <p:txBody>
+          <a:bodyPr/>
+          <a:lstStyle/>
+          <a:p>
+            <a:r>
+              <a:rPr lang="en-US" dirty="0"/>
+              <a:t>What are 5 R strategies of Cloud Rationalization in Azure? </a:t>
+            </a:r>
+            <a:endParaRPr lang="en-CA" dirty="0"/>
+          </a:p>
+        </p:txBody>
+      </p:sp>
+      <p:sp>
+        <p:nvSpPr>
+          <p:cNvPr id="3" name="Content Placeholder 2">
+            <a:extLst>
+              <a:ext uri="{FF2B5EF4-FFF2-40B4-BE49-F238E27FC236}">
+                <a16:creationId xmlns:a16="http://schemas.microsoft.com/office/drawing/2014/main" id="{7D8A34E1-AF44-4320-99E9-EAE5861DB2B8}"/>
+              </a:ext>
+            </a:extLst>
+          </p:cNvPr>
+          <p:cNvSpPr>
+            <a:spLocks noGrp="1"/>
+          </p:cNvSpPr>
+          <p:nvPr>
+            <p:ph idx="1"/>
+          </p:nvPr>
+        </p:nvSpPr>
+        <p:spPr/>
+        <p:txBody>
+          <a:bodyPr>
+            <a:normAutofit fontScale="92500"/>
+          </a:bodyPr>
+          <a:lstStyle/>
+          <a:p>
+            <a:r>
+              <a:rPr lang="en-CA" dirty="0"/>
+              <a:t>Rehost</a:t>
+            </a:r>
+          </a:p>
+          <a:p>
+            <a:pPr lvl="1"/>
+            <a:r>
+              <a:rPr lang="en-CA" dirty="0"/>
+              <a:t>Lifting and shifting an application to a new environment</a:t>
+            </a:r>
+          </a:p>
+          <a:p>
+            <a:r>
+              <a:rPr lang="en-CA" dirty="0"/>
+              <a:t>Refactor</a:t>
+            </a:r>
+          </a:p>
+          <a:p>
+            <a:pPr lvl="1"/>
+            <a:r>
+              <a:rPr lang="en-CA" dirty="0"/>
+              <a:t>Updating application code to improve update times, portability, and cloud efficiency</a:t>
+            </a:r>
+          </a:p>
+          <a:p>
+            <a:r>
+              <a:rPr lang="en-CA" dirty="0"/>
+              <a:t>Rearchitect</a:t>
+            </a:r>
+          </a:p>
+          <a:p>
+            <a:pPr lvl="1"/>
+            <a:r>
+              <a:rPr lang="en-CA" dirty="0"/>
+              <a:t>Changing application architecture to improve application scale and agility</a:t>
+            </a:r>
+          </a:p>
+          <a:p>
+            <a:r>
+              <a:rPr lang="en-CA" dirty="0"/>
+              <a:t>Rebuild</a:t>
+            </a:r>
+          </a:p>
+          <a:p>
+            <a:pPr lvl="1"/>
+            <a:r>
+              <a:rPr lang="en-CA" dirty="0"/>
+              <a:t>Rebuilding application from cloud compatible to cloud native</a:t>
+            </a:r>
+          </a:p>
+          <a:p>
+            <a:r>
+              <a:rPr lang="en-CA" dirty="0"/>
+              <a:t>Replace</a:t>
+            </a:r>
+          </a:p>
+          <a:p>
+            <a:pPr lvl="1"/>
+            <a:r>
+              <a:rPr lang="en-CA" dirty="0"/>
+              <a:t>Schedule workload for replacement, removing it from the transformation effort</a:t>
+            </a:r>
+          </a:p>
+        </p:txBody>
+      </p:sp>
+    </p:spTree>
+    <p:extLst>
+      <p:ext uri="{BB962C8B-B14F-4D97-AF65-F5344CB8AC3E}">
+        <p14:creationId xmlns:p14="http://schemas.microsoft.com/office/powerpoint/2010/main" val="2328922659"/>
+      </p:ext>
+    </p:extLst>
+  </p:cSld>
+  <p:clrMapOvr>
+    <a:masterClrMapping/>
+  </p:clrMapOvr>
+</p:sld>
+</file>
+
+<file path=ppt/slides/slide4.xml><?xml version="1.0" encoding="utf-8"?>
+<p:sld xmlns:a="http://schemas.openxmlformats.org/drawingml/2006/main" xmlns:r="http://schemas.openxmlformats.org/officeDocument/2006/relationships" xmlns:p="http://schemas.openxmlformats.org/presentationml/2006/main">
+  <p:cSld>
+    <p:spTree>
+      <p:nvGrpSpPr>
+        <p:cNvPr id="1" name=""/>
+        <p:cNvGrpSpPr/>
+        <p:nvPr/>
+      </p:nvGrpSpPr>
+      <p:grpSpPr>
+        <a:xfrm>
+          <a:off x="0" y="0"/>
+          <a:ext cx="0" cy="0"/>
+          <a:chOff x="0" y="0"/>
+          <a:chExt cx="0" cy="0"/>
+        </a:xfrm>
+      </p:grpSpPr>
+      <p:sp>
+        <p:nvSpPr>
+          <p:cNvPr id="2" name="Title 1">
+            <a:extLst>
+              <a:ext uri="{FF2B5EF4-FFF2-40B4-BE49-F238E27FC236}">
+                <a16:creationId xmlns:a16="http://schemas.microsoft.com/office/drawing/2014/main" id="{9E0F2E1E-4CCA-4DA1-A171-B28B8B237400}"/>
+              </a:ext>
+            </a:extLst>
+          </p:cNvPr>
+          <p:cNvSpPr>
+            <a:spLocks noGrp="1"/>
+          </p:cNvSpPr>
+          <p:nvPr>
+            <p:ph type="title"/>
+          </p:nvPr>
+        </p:nvSpPr>
+        <p:spPr/>
+        <p:txBody>
+          <a:bodyPr/>
+          <a:lstStyle/>
+          <a:p>
+            <a:r>
+              <a:rPr lang="en-CA" dirty="0"/>
+              <a:t>What is application modernization?</a:t>
+            </a:r>
+          </a:p>
+        </p:txBody>
+      </p:sp>
+      <p:sp>
+        <p:nvSpPr>
+          <p:cNvPr id="3" name="Content Placeholder 2">
+            <a:extLst>
+              <a:ext uri="{FF2B5EF4-FFF2-40B4-BE49-F238E27FC236}">
+                <a16:creationId xmlns:a16="http://schemas.microsoft.com/office/drawing/2014/main" id="{498098A4-4C20-40DE-9333-CECD33447429}"/>
+              </a:ext>
+            </a:extLst>
+          </p:cNvPr>
+          <p:cNvSpPr>
+            <a:spLocks noGrp="1"/>
+          </p:cNvSpPr>
+          <p:nvPr>
+            <p:ph idx="1"/>
+          </p:nvPr>
+        </p:nvSpPr>
+        <p:spPr/>
+        <p:txBody>
+          <a:bodyPr/>
+          <a:lstStyle/>
+          <a:p>
+            <a:r>
+              <a:rPr lang="en-CA" dirty="0"/>
+              <a:t>Updating applications to be scalable, cloud-native, on new technology stacks</a:t>
+            </a:r>
+          </a:p>
+          <a:p>
+            <a:r>
+              <a:rPr lang="en-CA" dirty="0"/>
+              <a:t>Including:</a:t>
+            </a:r>
+          </a:p>
+          <a:p>
+            <a:pPr lvl="1"/>
+            <a:r>
+              <a:rPr lang="en-CA" dirty="0"/>
+              <a:t>New coding languages, new frameworks, new infrastructure</a:t>
+            </a:r>
+          </a:p>
+          <a:p>
+            <a:r>
+              <a:rPr lang="en-CA" dirty="0"/>
+              <a:t>Extends the lifespan of applications while also taking advantage of innovations</a:t>
+            </a:r>
+          </a:p>
+        </p:txBody>
+      </p:sp>
+    </p:spTree>
+    <p:extLst>
+      <p:ext uri="{BB962C8B-B14F-4D97-AF65-F5344CB8AC3E}">
+        <p14:creationId xmlns:p14="http://schemas.microsoft.com/office/powerpoint/2010/main" val="1779814187"/>
+      </p:ext>
+    </p:extLst>
+  </p:cSld>
+  <p:clrMapOvr>
+    <a:masterClrMapping/>
+  </p:clrMapOvr>
+</p:sld>
+</file>
+
+<file path=ppt/slides/slide5.xml><?xml version="1.0" encoding="utf-8"?>
+<p:sld xmlns:a="http://schemas.openxmlformats.org/drawingml/2006/main" xmlns:r="http://schemas.openxmlformats.org/officeDocument/2006/relationships" xmlns:p="http://schemas.openxmlformats.org/presentationml/2006/main">
+  <p:cSld>
+    <p:spTree>
+      <p:nvGrpSpPr>
+        <p:cNvPr id="1" name=""/>
+        <p:cNvGrpSpPr/>
+        <p:nvPr/>
+      </p:nvGrpSpPr>
+      <p:grpSpPr>
+        <a:xfrm>
+          <a:off x="0" y="0"/>
+          <a:ext cx="0" cy="0"/>
+          <a:chOff x="0" y="0"/>
+          <a:chExt cx="0" cy="0"/>
+        </a:xfrm>
+      </p:grpSpPr>
+      <p:sp>
+        <p:nvSpPr>
+          <p:cNvPr id="2" name="Title 1">
+            <a:extLst>
+              <a:ext uri="{FF2B5EF4-FFF2-40B4-BE49-F238E27FC236}">
+                <a16:creationId xmlns:a16="http://schemas.microsoft.com/office/drawing/2014/main" id="{F346341E-53E3-40FC-8576-938ED7327035}"/>
+              </a:ext>
+            </a:extLst>
+          </p:cNvPr>
+          <p:cNvSpPr>
+            <a:spLocks noGrp="1"/>
+          </p:cNvSpPr>
+          <p:nvPr>
+            <p:ph type="title"/>
+          </p:nvPr>
+        </p:nvSpPr>
+        <p:spPr/>
+        <p:txBody>
+          <a:bodyPr/>
+          <a:lstStyle/>
+          <a:p>
+            <a:r>
+              <a:rPr lang="en-CA" dirty="0"/>
+              <a:t>What is </a:t>
+            </a:r>
+            <a:r>
+              <a:rPr lang="en-CA" dirty="0" err="1"/>
+              <a:t>GitOps</a:t>
+            </a:r>
+            <a:r>
+              <a:rPr lang="en-CA" dirty="0"/>
+              <a:t> and when do you use it?</a:t>
+            </a:r>
+          </a:p>
+        </p:txBody>
+      </p:sp>
+      <p:sp>
+        <p:nvSpPr>
+          <p:cNvPr id="3" name="Content Placeholder 2">
+            <a:extLst>
+              <a:ext uri="{FF2B5EF4-FFF2-40B4-BE49-F238E27FC236}">
+                <a16:creationId xmlns:a16="http://schemas.microsoft.com/office/drawing/2014/main" id="{F24316C9-6BB2-4417-9689-AA2682A8D4BB}"/>
+              </a:ext>
+            </a:extLst>
+          </p:cNvPr>
+          <p:cNvSpPr>
+            <a:spLocks noGrp="1"/>
+          </p:cNvSpPr>
+          <p:nvPr>
+            <p:ph idx="1"/>
+          </p:nvPr>
+        </p:nvSpPr>
+        <p:spPr/>
+        <p:txBody>
+          <a:bodyPr/>
+          <a:lstStyle/>
+          <a:p>
+            <a:r>
+              <a:rPr lang="en-CA" dirty="0"/>
+              <a:t>A practice using Git version control used for setting up declarative pipelines, infrastructure and configurations – in the name of automation</a:t>
+            </a:r>
+          </a:p>
+          <a:p>
+            <a:r>
+              <a:rPr lang="en-CA" dirty="0"/>
+              <a:t>Fully versioned - git version control acts as single source for all the  infrastructure needs and configurations</a:t>
+            </a:r>
+          </a:p>
+          <a:p>
+            <a:r>
+              <a:rPr lang="en-CA" dirty="0" err="1"/>
+              <a:t>GitOps</a:t>
+            </a:r>
+            <a:r>
+              <a:rPr lang="en-CA" dirty="0"/>
+              <a:t> requires 3 components: </a:t>
+            </a:r>
+            <a:r>
+              <a:rPr lang="en-CA" dirty="0" err="1"/>
+              <a:t>IaC</a:t>
+            </a:r>
+            <a:r>
+              <a:rPr lang="en-CA" dirty="0"/>
+              <a:t>, CI/CD, PR</a:t>
+            </a:r>
+          </a:p>
+        </p:txBody>
+      </p:sp>
+    </p:spTree>
+    <p:extLst>
+      <p:ext uri="{BB962C8B-B14F-4D97-AF65-F5344CB8AC3E}">
+        <p14:creationId xmlns:p14="http://schemas.microsoft.com/office/powerpoint/2010/main" val="4070355118"/>
+      </p:ext>
+    </p:extLst>
+  </p:cSld>
+  <p:clrMapOvr>
+    <a:masterClrMapping/>
+  </p:clrMapOvr>
+</p:sld>
+</file>
+
+<file path=ppt/slides/slide6.xml><?xml version="1.0" encoding="utf-8"?>
+<p:sld xmlns:a="http://schemas.openxmlformats.org/drawingml/2006/main" xmlns:r="http://schemas.openxmlformats.org/officeDocument/2006/relationships" xmlns:p="http://schemas.openxmlformats.org/presentationml/2006/main">
+  <p:cSld>
+    <p:spTree>
+      <p:nvGrpSpPr>
+        <p:cNvPr id="1" name=""/>
+        <p:cNvGrpSpPr/>
+        <p:nvPr/>
+      </p:nvGrpSpPr>
+      <p:grpSpPr>
+        <a:xfrm>
+          <a:off x="0" y="0"/>
+          <a:ext cx="0" cy="0"/>
+          <a:chOff x="0" y="0"/>
+          <a:chExt cx="0" cy="0"/>
+        </a:xfrm>
+      </p:grpSpPr>
+      <p:sp>
+        <p:nvSpPr>
+          <p:cNvPr id="2" name="Title 1">
+            <a:extLst>
+              <a:ext uri="{FF2B5EF4-FFF2-40B4-BE49-F238E27FC236}">
+                <a16:creationId xmlns:a16="http://schemas.microsoft.com/office/drawing/2014/main" id="{3DFDE84F-C114-4148-B3D6-0268EB38A04F}"/>
+              </a:ext>
+            </a:extLst>
+          </p:cNvPr>
+          <p:cNvSpPr>
+            <a:spLocks noGrp="1"/>
+          </p:cNvSpPr>
+          <p:nvPr>
+            <p:ph type="title"/>
+          </p:nvPr>
+        </p:nvSpPr>
+        <p:spPr/>
+        <p:txBody>
+          <a:bodyPr/>
+          <a:lstStyle/>
+          <a:p>
+            <a:r>
+              <a:rPr lang="en-CA" dirty="0"/>
+              <a:t>What are the differences between </a:t>
+            </a:r>
+            <a:r>
+              <a:rPr lang="en-CA" dirty="0" err="1"/>
+              <a:t>GitOps</a:t>
+            </a:r>
+            <a:r>
+              <a:rPr lang="en-CA" dirty="0"/>
+              <a:t> and DevOps?</a:t>
+            </a:r>
+          </a:p>
+        </p:txBody>
+      </p:sp>
+      <p:sp>
+        <p:nvSpPr>
+          <p:cNvPr id="3" name="Content Placeholder 2">
+            <a:extLst>
+              <a:ext uri="{FF2B5EF4-FFF2-40B4-BE49-F238E27FC236}">
+                <a16:creationId xmlns:a16="http://schemas.microsoft.com/office/drawing/2014/main" id="{F9DBE93F-2605-4FB4-A61C-0A47452C1CE5}"/>
+              </a:ext>
+            </a:extLst>
+          </p:cNvPr>
+          <p:cNvSpPr>
+            <a:spLocks noGrp="1"/>
+          </p:cNvSpPr>
+          <p:nvPr>
+            <p:ph idx="1"/>
+          </p:nvPr>
+        </p:nvSpPr>
+        <p:spPr/>
+        <p:txBody>
+          <a:bodyPr/>
+          <a:lstStyle/>
+          <a:p>
+            <a:r>
+              <a:rPr lang="en-CA" dirty="0"/>
+              <a:t>DevOps promotes a cultural change that enables development teams and operations teams to collaborate effectively</a:t>
+            </a:r>
+          </a:p>
+          <a:p>
+            <a:r>
+              <a:rPr lang="en-CA" dirty="0" err="1"/>
+              <a:t>GitOps</a:t>
+            </a:r>
+            <a:r>
+              <a:rPr lang="en-CA" dirty="0"/>
+              <a:t> provides a toolset and framework through which to apply DevOps practices</a:t>
+            </a:r>
+          </a:p>
+        </p:txBody>
+      </p:sp>
+    </p:spTree>
+    <p:extLst>
+      <p:ext uri="{BB962C8B-B14F-4D97-AF65-F5344CB8AC3E}">
+        <p14:creationId xmlns:p14="http://schemas.microsoft.com/office/powerpoint/2010/main" val="3187435305"/>
+      </p:ext>
+    </p:extLst>
+  </p:cSld>
+  <p:clrMapOvr>
+    <a:masterClrMapping/>
+  </p:clrMapOvr>
+</p:sld>
+</file>
+
+<file path=ppt/slides/slide7.xml><?xml version="1.0" encoding="utf-8"?>
+<p:sld xmlns:a="http://schemas.openxmlformats.org/drawingml/2006/main" xmlns:r="http://schemas.openxmlformats.org/officeDocument/2006/relationships" xmlns:p="http://schemas.openxmlformats.org/presentationml/2006/main">
+  <p:cSld>
+    <p:spTree>
+      <p:nvGrpSpPr>
+        <p:cNvPr id="1" name=""/>
+        <p:cNvGrpSpPr/>
+        <p:nvPr/>
+      </p:nvGrpSpPr>
+      <p:grpSpPr>
+        <a:xfrm>
+          <a:off x="0" y="0"/>
+          <a:ext cx="0" cy="0"/>
+          <a:chOff x="0" y="0"/>
+          <a:chExt cx="0" cy="0"/>
+        </a:xfrm>
+      </p:grpSpPr>
+      <p:sp>
+        <p:nvSpPr>
+          <p:cNvPr id="2" name="Title 1">
+            <a:extLst>
+              <a:ext uri="{FF2B5EF4-FFF2-40B4-BE49-F238E27FC236}">
                 <a16:creationId xmlns:a16="http://schemas.microsoft.com/office/drawing/2014/main" id="{E8FFA8B4-4455-444B-BD9F-D9D0084F9A1C}"/>
               </a:ext>
             </a:extLst>
@@ -6918,7 +8341,7 @@
 </p:sld>
 </file>
 
-<file path=ppt/slides/slide4.xml><?xml version="1.0" encoding="utf-8"?>
+<file path=ppt/slides/slide8.xml><?xml version="1.0" encoding="utf-8"?>
 <p:sld xmlns:a="http://schemas.openxmlformats.org/drawingml/2006/main" xmlns:r="http://schemas.openxmlformats.org/officeDocument/2006/relationships" xmlns:p="http://schemas.openxmlformats.org/presentationml/2006/main">
   <p:cSld>
     <p:bg>
@@ -7675,7 +9098,7 @@
 </p:sld>
 </file>
 
-<file path=ppt/slides/slide5.xml><?xml version="1.0" encoding="utf-8"?>
+<file path=ppt/slides/slide9.xml><?xml version="1.0" encoding="utf-8"?>
 <p:sld xmlns:a="http://schemas.openxmlformats.org/drawingml/2006/main" xmlns:r="http://schemas.openxmlformats.org/officeDocument/2006/relationships" xmlns:p="http://schemas.openxmlformats.org/presentationml/2006/main">
   <p:cSld>
     <p:spTree>
@@ -7794,1030 +9217,6 @@
     <p:extLst>
       <p:ext uri="{BB962C8B-B14F-4D97-AF65-F5344CB8AC3E}">
         <p14:creationId xmlns:p14="http://schemas.microsoft.com/office/powerpoint/2010/main" val="3787234125"/>
-      </p:ext>
-    </p:extLst>
-  </p:cSld>
-  <p:clrMapOvr>
-    <a:masterClrMapping/>
-  </p:clrMapOvr>
-</p:sld>
-</file>
-
-<file path=ppt/slides/slide6.xml><?xml version="1.0" encoding="utf-8"?>
-<p:sld xmlns:a="http://schemas.openxmlformats.org/drawingml/2006/main" xmlns:r="http://schemas.openxmlformats.org/officeDocument/2006/relationships" xmlns:p="http://schemas.openxmlformats.org/presentationml/2006/main">
-  <p:cSld>
-    <p:bg>
-      <p:bgPr>
-        <a:solidFill>
-          <a:schemeClr val="bg1"/>
-        </a:solidFill>
-        <a:effectLst/>
-      </p:bgPr>
-    </p:bg>
-    <p:spTree>
-      <p:nvGrpSpPr>
-        <p:cNvPr id="1" name=""/>
-        <p:cNvGrpSpPr/>
-        <p:nvPr/>
-      </p:nvGrpSpPr>
-      <p:grpSpPr>
-        <a:xfrm>
-          <a:off x="0" y="0"/>
-          <a:ext cx="0" cy="0"/>
-          <a:chOff x="0" y="0"/>
-          <a:chExt cx="0" cy="0"/>
-        </a:xfrm>
-      </p:grpSpPr>
-      <p:sp>
-        <p:nvSpPr>
-          <p:cNvPr id="10" name="Rectangle 9">
-            <a:extLst>
-              <a:ext uri="{FF2B5EF4-FFF2-40B4-BE49-F238E27FC236}">
-                <a16:creationId xmlns:a16="http://schemas.microsoft.com/office/drawing/2014/main" id="{F3060C83-F051-4F0E-ABAD-AA0DFC48B218}"/>
-              </a:ext>
-              <a:ext uri="{C183D7F6-B498-43B3-948B-1728B52AA6E4}">
-                <adec:decorative xmlns:adec="http://schemas.microsoft.com/office/drawing/2017/decorative" val="1"/>
-              </a:ext>
-            </a:extLst>
-          </p:cNvPr>
-          <p:cNvSpPr>
-            <a:spLocks noGrp="1" noRot="1" noChangeAspect="1" noMove="1" noResize="1" noEditPoints="1" noAdjustHandles="1" noChangeArrowheads="1" noChangeShapeType="1" noTextEdit="1"/>
-          </p:cNvSpPr>
-          <p:nvPr>
-            <p:extLst>
-              <p:ext uri="{386F3935-93C4-4BCD-93E2-E3B085C9AB24}">
-                <p16:designElem xmlns:p16="http://schemas.microsoft.com/office/powerpoint/2015/main" val="1"/>
-              </p:ext>
-            </p:extLst>
-          </p:nvPr>
-        </p:nvSpPr>
-        <p:spPr>
-          <a:xfrm>
-            <a:off x="0" y="0"/>
-            <a:ext cx="12192000" cy="6858000"/>
-          </a:xfrm>
-          <a:prstGeom prst="rect">
-            <a:avLst/>
-          </a:prstGeom>
-          <a:solidFill>
-            <a:schemeClr val="bg1"/>
-          </a:solidFill>
-          <a:ln>
-            <a:noFill/>
-          </a:ln>
-        </p:spPr>
-        <p:style>
-          <a:lnRef idx="2">
-            <a:schemeClr val="accent1">
-              <a:shade val="50000"/>
-            </a:schemeClr>
-          </a:lnRef>
-          <a:fillRef idx="1">
-            <a:schemeClr val="accent1"/>
-          </a:fillRef>
-          <a:effectRef idx="0">
-            <a:schemeClr val="accent1"/>
-          </a:effectRef>
-          <a:fontRef idx="minor">
-            <a:schemeClr val="lt1"/>
-          </a:fontRef>
-        </p:style>
-        <p:txBody>
-          <a:bodyPr rtlCol="0" anchor="ctr"/>
-          <a:lstStyle/>
-          <a:p>
-            <a:pPr algn="ctr"/>
-            <a:endParaRPr lang="en-US" dirty="0"/>
-          </a:p>
-        </p:txBody>
-      </p:sp>
-      <p:sp>
-        <p:nvSpPr>
-          <p:cNvPr id="12" name="Freeform: Shape 11">
-            <a:extLst>
-              <a:ext uri="{FF2B5EF4-FFF2-40B4-BE49-F238E27FC236}">
-                <a16:creationId xmlns:a16="http://schemas.microsoft.com/office/drawing/2014/main" id="{83C98ABE-055B-441F-B07E-44F97F083C39}"/>
-              </a:ext>
-              <a:ext uri="{C183D7F6-B498-43B3-948B-1728B52AA6E4}">
-                <adec:decorative xmlns:adec="http://schemas.microsoft.com/office/drawing/2017/decorative" val="1"/>
-              </a:ext>
-            </a:extLst>
-          </p:cNvPr>
-          <p:cNvSpPr>
-            <a:spLocks noGrp="1" noRot="1" noChangeAspect="1" noMove="1" noResize="1" noEditPoints="1" noAdjustHandles="1" noChangeArrowheads="1" noChangeShapeType="1" noTextEdit="1"/>
-          </p:cNvSpPr>
-          <p:nvPr>
-            <p:extLst>
-              <p:ext uri="{386F3935-93C4-4BCD-93E2-E3B085C9AB24}">
-                <p16:designElem xmlns:p16="http://schemas.microsoft.com/office/powerpoint/2015/main" val="1"/>
-              </p:ext>
-            </p:extLst>
-          </p:nvPr>
-        </p:nvSpPr>
-        <p:spPr>
-          <a:xfrm rot="18900000" flipH="1">
-            <a:off x="-376156" y="-253670"/>
-            <a:ext cx="1827638" cy="1376989"/>
-          </a:xfrm>
-          <a:custGeom>
-            <a:avLst/>
-            <a:gdLst>
-              <a:gd name="connsiteX0" fmla="*/ 0 w 1827638"/>
-              <a:gd name="connsiteY0" fmla="*/ 987379 h 1376989"/>
-              <a:gd name="connsiteX1" fmla="*/ 987379 w 1827638"/>
-              <a:gd name="connsiteY1" fmla="*/ 0 h 1376989"/>
-              <a:gd name="connsiteX2" fmla="*/ 1827638 w 1827638"/>
-              <a:gd name="connsiteY2" fmla="*/ 840260 h 1376989"/>
-              <a:gd name="connsiteX3" fmla="*/ 1827638 w 1827638"/>
-              <a:gd name="connsiteY3" fmla="*/ 1376989 h 1376989"/>
-              <a:gd name="connsiteX4" fmla="*/ 0 w 1827638"/>
-              <a:gd name="connsiteY4" fmla="*/ 1376989 h 1376989"/>
-            </a:gdLst>
-            <a:ahLst/>
-            <a:cxnLst>
-              <a:cxn ang="0">
-                <a:pos x="connsiteX0" y="connsiteY0"/>
-              </a:cxn>
-              <a:cxn ang="0">
-                <a:pos x="connsiteX1" y="connsiteY1"/>
-              </a:cxn>
-              <a:cxn ang="0">
-                <a:pos x="connsiteX2" y="connsiteY2"/>
-              </a:cxn>
-              <a:cxn ang="0">
-                <a:pos x="connsiteX3" y="connsiteY3"/>
-              </a:cxn>
-              <a:cxn ang="0">
-                <a:pos x="connsiteX4" y="connsiteY4"/>
-              </a:cxn>
-            </a:cxnLst>
-            <a:rect l="l" t="t" r="r" b="b"/>
-            <a:pathLst>
-              <a:path w="1827638" h="1376989">
-                <a:moveTo>
-                  <a:pt x="0" y="987379"/>
-                </a:moveTo>
-                <a:lnTo>
-                  <a:pt x="987379" y="0"/>
-                </a:lnTo>
-                <a:lnTo>
-                  <a:pt x="1827638" y="840260"/>
-                </a:lnTo>
-                <a:lnTo>
-                  <a:pt x="1827638" y="1376989"/>
-                </a:lnTo>
-                <a:lnTo>
-                  <a:pt x="0" y="1376989"/>
-                </a:lnTo>
-                <a:close/>
-              </a:path>
-            </a:pathLst>
-          </a:custGeom>
-          <a:solidFill>
-            <a:schemeClr val="accent1">
-              <a:alpha val="30000"/>
-            </a:schemeClr>
-          </a:solidFill>
-          <a:ln>
-            <a:noFill/>
-          </a:ln>
-        </p:spPr>
-        <p:style>
-          <a:lnRef idx="2">
-            <a:schemeClr val="accent1">
-              <a:shade val="50000"/>
-            </a:schemeClr>
-          </a:lnRef>
-          <a:fillRef idx="1">
-            <a:schemeClr val="accent1"/>
-          </a:fillRef>
-          <a:effectRef idx="0">
-            <a:schemeClr val="accent1"/>
-          </a:effectRef>
-          <a:fontRef idx="minor">
-            <a:schemeClr val="lt1"/>
-          </a:fontRef>
-        </p:style>
-        <p:txBody>
-          <a:bodyPr rtlCol="0" anchor="ctr"/>
-          <a:lstStyle/>
-          <a:p>
-            <a:pPr algn="ctr"/>
-            <a:endParaRPr lang="en-US" dirty="0"/>
-          </a:p>
-        </p:txBody>
-      </p:sp>
-      <p:sp>
-        <p:nvSpPr>
-          <p:cNvPr id="14" name="Rectangle 13">
-            <a:extLst>
-              <a:ext uri="{FF2B5EF4-FFF2-40B4-BE49-F238E27FC236}">
-                <a16:creationId xmlns:a16="http://schemas.microsoft.com/office/drawing/2014/main" id="{29FDB030-9B49-4CED-8CCD-4D99382388AC}"/>
-              </a:ext>
-              <a:ext uri="{C183D7F6-B498-43B3-948B-1728B52AA6E4}">
-                <adec:decorative xmlns:adec="http://schemas.microsoft.com/office/drawing/2017/decorative" val="1"/>
-              </a:ext>
-            </a:extLst>
-          </p:cNvPr>
-          <p:cNvSpPr>
-            <a:spLocks noGrp="1" noRot="1" noChangeAspect="1" noMove="1" noResize="1" noEditPoints="1" noAdjustHandles="1" noChangeArrowheads="1" noChangeShapeType="1" noTextEdit="1"/>
-          </p:cNvSpPr>
-          <p:nvPr>
-            <p:extLst>
-              <p:ext uri="{386F3935-93C4-4BCD-93E2-E3B085C9AB24}">
-                <p16:designElem xmlns:p16="http://schemas.microsoft.com/office/powerpoint/2015/main" val="1"/>
-              </p:ext>
-            </p:extLst>
-          </p:nvPr>
-        </p:nvSpPr>
-        <p:spPr>
-          <a:xfrm rot="18900000" flipH="1">
-            <a:off x="891641" y="422146"/>
-            <a:ext cx="645368" cy="645368"/>
-          </a:xfrm>
-          <a:prstGeom prst="rect">
-            <a:avLst/>
-          </a:prstGeom>
-          <a:solidFill>
-            <a:schemeClr val="accent1">
-              <a:alpha val="30000"/>
-            </a:schemeClr>
-          </a:solidFill>
-          <a:ln>
-            <a:noFill/>
-          </a:ln>
-        </p:spPr>
-        <p:style>
-          <a:lnRef idx="2">
-            <a:schemeClr val="accent1">
-              <a:shade val="50000"/>
-            </a:schemeClr>
-          </a:lnRef>
-          <a:fillRef idx="1">
-            <a:schemeClr val="accent1"/>
-          </a:fillRef>
-          <a:effectRef idx="0">
-            <a:schemeClr val="accent1"/>
-          </a:effectRef>
-          <a:fontRef idx="minor">
-            <a:schemeClr val="lt1"/>
-          </a:fontRef>
-        </p:style>
-        <p:txBody>
-          <a:bodyPr rtlCol="0" anchor="ctr"/>
-          <a:lstStyle/>
-          <a:p>
-            <a:pPr algn="ctr"/>
-            <a:endParaRPr lang="en-US"/>
-          </a:p>
-        </p:txBody>
-      </p:sp>
-      <p:sp>
-        <p:nvSpPr>
-          <p:cNvPr id="16" name="Rectangle 15">
-            <a:extLst>
-              <a:ext uri="{FF2B5EF4-FFF2-40B4-BE49-F238E27FC236}">
-                <a16:creationId xmlns:a16="http://schemas.microsoft.com/office/drawing/2014/main" id="{3783CA14-24A1-485C-8B30-D6A5D87987AD}"/>
-              </a:ext>
-              <a:ext uri="{C183D7F6-B498-43B3-948B-1728B52AA6E4}">
-                <adec:decorative xmlns:adec="http://schemas.microsoft.com/office/drawing/2017/decorative" val="1"/>
-              </a:ext>
-            </a:extLst>
-          </p:cNvPr>
-          <p:cNvSpPr>
-            <a:spLocks noGrp="1" noRot="1" noChangeAspect="1" noMove="1" noResize="1" noEditPoints="1" noAdjustHandles="1" noChangeArrowheads="1" noChangeShapeType="1" noTextEdit="1"/>
-          </p:cNvSpPr>
-          <p:nvPr>
-            <p:extLst>
-              <p:ext uri="{386F3935-93C4-4BCD-93E2-E3B085C9AB24}">
-                <p16:designElem xmlns:p16="http://schemas.microsoft.com/office/powerpoint/2015/main" val="1"/>
-              </p:ext>
-            </p:extLst>
-          </p:nvPr>
-        </p:nvSpPr>
-        <p:spPr>
-          <a:xfrm rot="18900000" flipH="1">
-            <a:off x="10043482" y="655140"/>
-            <a:ext cx="687472" cy="687472"/>
-          </a:xfrm>
-          <a:prstGeom prst="rect">
-            <a:avLst/>
-          </a:prstGeom>
-          <a:solidFill>
-            <a:schemeClr val="accent4">
-              <a:alpha val="30000"/>
-            </a:schemeClr>
-          </a:solidFill>
-          <a:ln>
-            <a:noFill/>
-          </a:ln>
-        </p:spPr>
-        <p:style>
-          <a:lnRef idx="2">
-            <a:schemeClr val="accent1">
-              <a:shade val="50000"/>
-            </a:schemeClr>
-          </a:lnRef>
-          <a:fillRef idx="1">
-            <a:schemeClr val="accent1"/>
-          </a:fillRef>
-          <a:effectRef idx="0">
-            <a:schemeClr val="accent1"/>
-          </a:effectRef>
-          <a:fontRef idx="minor">
-            <a:schemeClr val="lt1"/>
-          </a:fontRef>
-        </p:style>
-        <p:txBody>
-          <a:bodyPr rtlCol="0" anchor="ctr"/>
-          <a:lstStyle/>
-          <a:p>
-            <a:pPr algn="ctr"/>
-            <a:endParaRPr lang="en-US"/>
-          </a:p>
-        </p:txBody>
-      </p:sp>
-      <p:sp>
-        <p:nvSpPr>
-          <p:cNvPr id="18" name="Freeform: Shape 17">
-            <a:extLst>
-              <a:ext uri="{FF2B5EF4-FFF2-40B4-BE49-F238E27FC236}">
-                <a16:creationId xmlns:a16="http://schemas.microsoft.com/office/drawing/2014/main" id="{9A97C86A-04D6-40F7-AE84-31AB43E6A846}"/>
-              </a:ext>
-              <a:ext uri="{C183D7F6-B498-43B3-948B-1728B52AA6E4}">
-                <adec:decorative xmlns:adec="http://schemas.microsoft.com/office/drawing/2017/decorative" val="1"/>
-              </a:ext>
-            </a:extLst>
-          </p:cNvPr>
-          <p:cNvSpPr>
-            <a:spLocks noGrp="1" noRot="1" noChangeAspect="1" noMove="1" noResize="1" noEditPoints="1" noAdjustHandles="1" noChangeArrowheads="1" noChangeShapeType="1" noTextEdit="1"/>
-          </p:cNvSpPr>
-          <p:nvPr>
-            <p:extLst>
-              <p:ext uri="{386F3935-93C4-4BCD-93E2-E3B085C9AB24}">
-                <p16:designElem xmlns:p16="http://schemas.microsoft.com/office/powerpoint/2015/main" val="1"/>
-              </p:ext>
-            </p:extLst>
-          </p:nvPr>
-        </p:nvSpPr>
-        <p:spPr>
-          <a:xfrm rot="10800000" flipH="1">
-            <a:off x="9356643" y="0"/>
-            <a:ext cx="2835357" cy="1480837"/>
-          </a:xfrm>
-          <a:custGeom>
-            <a:avLst/>
-            <a:gdLst>
-              <a:gd name="connsiteX0" fmla="*/ 2835357 w 2835357"/>
-              <a:gd name="connsiteY0" fmla="*/ 1480837 h 1480837"/>
-              <a:gd name="connsiteX1" fmla="*/ 0 w 2835357"/>
-              <a:gd name="connsiteY1" fmla="*/ 1480837 h 1480837"/>
-              <a:gd name="connsiteX2" fmla="*/ 1552727 w 2835357"/>
-              <a:gd name="connsiteY2" fmla="*/ 0 h 1480837"/>
-              <a:gd name="connsiteX3" fmla="*/ 2835357 w 2835357"/>
-              <a:gd name="connsiteY3" fmla="*/ 1223245 h 1480837"/>
-            </a:gdLst>
-            <a:ahLst/>
-            <a:cxnLst>
-              <a:cxn ang="0">
-                <a:pos x="connsiteX0" y="connsiteY0"/>
-              </a:cxn>
-              <a:cxn ang="0">
-                <a:pos x="connsiteX1" y="connsiteY1"/>
-              </a:cxn>
-              <a:cxn ang="0">
-                <a:pos x="connsiteX2" y="connsiteY2"/>
-              </a:cxn>
-              <a:cxn ang="0">
-                <a:pos x="connsiteX3" y="connsiteY3"/>
-              </a:cxn>
-            </a:cxnLst>
-            <a:rect l="l" t="t" r="r" b="b"/>
-            <a:pathLst>
-              <a:path w="2835357" h="1480837">
-                <a:moveTo>
-                  <a:pt x="2835357" y="1480837"/>
-                </a:moveTo>
-                <a:lnTo>
-                  <a:pt x="0" y="1480837"/>
-                </a:lnTo>
-                <a:lnTo>
-                  <a:pt x="1552727" y="0"/>
-                </a:lnTo>
-                <a:lnTo>
-                  <a:pt x="2835357" y="1223245"/>
-                </a:lnTo>
-                <a:close/>
-              </a:path>
-            </a:pathLst>
-          </a:custGeom>
-          <a:solidFill>
-            <a:schemeClr val="accent4">
-              <a:alpha val="30000"/>
-            </a:schemeClr>
-          </a:solidFill>
-          <a:ln>
-            <a:noFill/>
-          </a:ln>
-        </p:spPr>
-        <p:style>
-          <a:lnRef idx="2">
-            <a:schemeClr val="accent1">
-              <a:shade val="50000"/>
-            </a:schemeClr>
-          </a:lnRef>
-          <a:fillRef idx="1">
-            <a:schemeClr val="accent1"/>
-          </a:fillRef>
-          <a:effectRef idx="0">
-            <a:schemeClr val="accent1"/>
-          </a:effectRef>
-          <a:fontRef idx="minor">
-            <a:schemeClr val="lt1"/>
-          </a:fontRef>
-        </p:style>
-        <p:txBody>
-          <a:bodyPr wrap="square" rtlCol="0" anchor="ctr">
-            <a:noAutofit/>
-          </a:bodyPr>
-          <a:lstStyle/>
-          <a:p>
-            <a:pPr algn="ctr"/>
-            <a:endParaRPr lang="en-US" dirty="0"/>
-          </a:p>
-        </p:txBody>
-      </p:sp>
-      <p:sp>
-        <p:nvSpPr>
-          <p:cNvPr id="20" name="Isosceles Triangle 19">
-            <a:extLst>
-              <a:ext uri="{FF2B5EF4-FFF2-40B4-BE49-F238E27FC236}">
-                <a16:creationId xmlns:a16="http://schemas.microsoft.com/office/drawing/2014/main" id="{FF9F2414-84E8-453E-B1F3-389FDE8192D9}"/>
-              </a:ext>
-              <a:ext uri="{C183D7F6-B498-43B3-948B-1728B52AA6E4}">
-                <adec:decorative xmlns:adec="http://schemas.microsoft.com/office/drawing/2017/decorative" val="1"/>
-              </a:ext>
-            </a:extLst>
-          </p:cNvPr>
-          <p:cNvSpPr>
-            <a:spLocks noGrp="1" noRot="1" noChangeAspect="1" noMove="1" noResize="1" noEditPoints="1" noAdjustHandles="1" noChangeArrowheads="1" noChangeShapeType="1" noTextEdit="1"/>
-          </p:cNvSpPr>
-          <p:nvPr>
-            <p:extLst>
-              <p:ext uri="{386F3935-93C4-4BCD-93E2-E3B085C9AB24}">
-                <p16:designElem xmlns:p16="http://schemas.microsoft.com/office/powerpoint/2015/main" val="1"/>
-              </p:ext>
-            </p:extLst>
-          </p:nvPr>
-        </p:nvSpPr>
-        <p:spPr>
-          <a:xfrm flipH="1">
-            <a:off x="7976344" y="6115501"/>
-            <a:ext cx="1494513" cy="742499"/>
-          </a:xfrm>
-          <a:prstGeom prst="triangle">
-            <a:avLst/>
-          </a:prstGeom>
-          <a:solidFill>
-            <a:schemeClr val="accent1">
-              <a:alpha val="30000"/>
-            </a:schemeClr>
-          </a:solidFill>
-          <a:ln>
-            <a:noFill/>
-          </a:ln>
-        </p:spPr>
-        <p:style>
-          <a:lnRef idx="2">
-            <a:schemeClr val="accent1">
-              <a:shade val="50000"/>
-            </a:schemeClr>
-          </a:lnRef>
-          <a:fillRef idx="1">
-            <a:schemeClr val="accent1"/>
-          </a:fillRef>
-          <a:effectRef idx="0">
-            <a:schemeClr val="accent1"/>
-          </a:effectRef>
-          <a:fontRef idx="minor">
-            <a:schemeClr val="lt1"/>
-          </a:fontRef>
-        </p:style>
-        <p:txBody>
-          <a:bodyPr rtlCol="0" anchor="ctr"/>
-          <a:lstStyle/>
-          <a:p>
-            <a:pPr algn="ctr"/>
-            <a:endParaRPr lang="en-US"/>
-          </a:p>
-        </p:txBody>
-      </p:sp>
-      <p:pic>
-        <p:nvPicPr>
-          <p:cNvPr id="5" name="Content Placeholder 4" descr="A screenshot of a computer&#10;&#10;Description automatically generated with medium confidence">
-            <a:extLst>
-              <a:ext uri="{FF2B5EF4-FFF2-40B4-BE49-F238E27FC236}">
-                <a16:creationId xmlns:a16="http://schemas.microsoft.com/office/drawing/2014/main" id="{D0FA2BC6-7E21-45FD-90E1-0A45C4F7DA13}"/>
-              </a:ext>
-            </a:extLst>
-          </p:cNvPr>
-          <p:cNvPicPr>
-            <a:picLocks noGrp="1" noChangeAspect="1"/>
-          </p:cNvPicPr>
-          <p:nvPr>
-            <p:ph idx="1"/>
-          </p:nvPr>
-        </p:nvPicPr>
-        <p:blipFill>
-          <a:blip r:embed="rId2">
-            <a:extLst>
-              <a:ext uri="{28A0092B-C50C-407E-A947-70E740481C1C}">
-                <a14:useLocalDpi xmlns:a14="http://schemas.microsoft.com/office/drawing/2010/main" val="0"/>
-              </a:ext>
-            </a:extLst>
-          </a:blip>
-          <a:stretch>
-            <a:fillRect/>
-          </a:stretch>
-        </p:blipFill>
-        <p:spPr>
-          <a:xfrm>
-            <a:off x="-484537" y="512759"/>
-            <a:ext cx="13161074" cy="3816710"/>
-          </a:xfrm>
-          <a:prstGeom prst="rect">
-            <a:avLst/>
-          </a:prstGeom>
-          <a:ln>
-            <a:noFill/>
-          </a:ln>
-        </p:spPr>
-      </p:pic>
-      <p:sp>
-        <p:nvSpPr>
-          <p:cNvPr id="22" name="Isosceles Triangle 21">
-            <a:extLst>
-              <a:ext uri="{FF2B5EF4-FFF2-40B4-BE49-F238E27FC236}">
-                <a16:creationId xmlns:a16="http://schemas.microsoft.com/office/drawing/2014/main" id="{3ECA69A1-7536-43AC-85EF-C7106179F5ED}"/>
-              </a:ext>
-              <a:ext uri="{C183D7F6-B498-43B3-948B-1728B52AA6E4}">
-                <adec:decorative xmlns:adec="http://schemas.microsoft.com/office/drawing/2017/decorative" val="1"/>
-              </a:ext>
-            </a:extLst>
-          </p:cNvPr>
-          <p:cNvSpPr>
-            <a:spLocks noGrp="1" noRot="1" noChangeAspect="1" noMove="1" noResize="1" noEditPoints="1" noAdjustHandles="1" noChangeArrowheads="1" noChangeShapeType="1" noTextEdit="1"/>
-          </p:cNvSpPr>
-          <p:nvPr>
-            <p:extLst>
-              <p:ext uri="{386F3935-93C4-4BCD-93E2-E3B085C9AB24}">
-                <p16:designElem xmlns:p16="http://schemas.microsoft.com/office/powerpoint/2015/main" val="1"/>
-              </p:ext>
-            </p:extLst>
-          </p:nvPr>
-        </p:nvSpPr>
-        <p:spPr>
-          <a:xfrm flipH="1">
-            <a:off x="7604080" y="6453143"/>
-            <a:ext cx="814903" cy="404857"/>
-          </a:xfrm>
-          <a:prstGeom prst="triangle">
-            <a:avLst/>
-          </a:prstGeom>
-          <a:solidFill>
-            <a:schemeClr val="accent1">
-              <a:alpha val="30000"/>
-            </a:schemeClr>
-          </a:solidFill>
-          <a:ln>
-            <a:noFill/>
-          </a:ln>
-        </p:spPr>
-        <p:style>
-          <a:lnRef idx="2">
-            <a:schemeClr val="accent1">
-              <a:shade val="50000"/>
-            </a:schemeClr>
-          </a:lnRef>
-          <a:fillRef idx="1">
-            <a:schemeClr val="accent1"/>
-          </a:fillRef>
-          <a:effectRef idx="0">
-            <a:schemeClr val="accent1"/>
-          </a:effectRef>
-          <a:fontRef idx="minor">
-            <a:schemeClr val="lt1"/>
-          </a:fontRef>
-        </p:style>
-        <p:txBody>
-          <a:bodyPr rtlCol="0" anchor="ctr"/>
-          <a:lstStyle/>
-          <a:p>
-            <a:pPr algn="ctr"/>
-            <a:endParaRPr lang="en-US"/>
-          </a:p>
-        </p:txBody>
-      </p:sp>
-      <p:sp>
-        <p:nvSpPr>
-          <p:cNvPr id="15" name="TextBox 14">
-            <a:extLst>
-              <a:ext uri="{FF2B5EF4-FFF2-40B4-BE49-F238E27FC236}">
-                <a16:creationId xmlns:a16="http://schemas.microsoft.com/office/drawing/2014/main" id="{FEA0D1F0-ED60-4754-989C-68633D032E99}"/>
-              </a:ext>
-            </a:extLst>
-          </p:cNvPr>
-          <p:cNvSpPr txBox="1"/>
-          <p:nvPr/>
-        </p:nvSpPr>
-        <p:spPr>
-          <a:xfrm>
-            <a:off x="621793" y="3907412"/>
-            <a:ext cx="6579704" cy="2585323"/>
-          </a:xfrm>
-          <a:prstGeom prst="rect">
-            <a:avLst/>
-          </a:prstGeom>
-          <a:noFill/>
-        </p:spPr>
-        <p:txBody>
-          <a:bodyPr wrap="square">
-            <a:spAutoFit/>
-          </a:bodyPr>
-          <a:lstStyle/>
-          <a:p>
-            <a:r>
-              <a:rPr lang="en-CA" b="1" dirty="0"/>
-              <a:t>Key Components:</a:t>
-            </a:r>
-          </a:p>
-          <a:p>
-            <a:endParaRPr lang="en-CA" dirty="0"/>
-          </a:p>
-          <a:p>
-            <a:r>
-              <a:rPr lang="en-CA" dirty="0"/>
-              <a:t>Diagram.py</a:t>
-            </a:r>
-          </a:p>
-          <a:p>
-            <a:r>
-              <a:rPr lang="en-CA" dirty="0"/>
-              <a:t>3 Azure VMs (Ansible, Jenkins Server, Jenkins Agent)</a:t>
-            </a:r>
-          </a:p>
-          <a:p>
-            <a:r>
-              <a:rPr lang="en-CA" dirty="0"/>
-              <a:t>SCM – GitHub</a:t>
-            </a:r>
-          </a:p>
-          <a:p>
-            <a:r>
-              <a:rPr lang="en-CA" dirty="0"/>
-              <a:t>Configuration Management – Ansible</a:t>
-            </a:r>
-          </a:p>
-          <a:p>
-            <a:r>
-              <a:rPr lang="en-CA" dirty="0"/>
-              <a:t>Infrastructure as Code - Terraform</a:t>
-            </a:r>
-          </a:p>
-          <a:p>
-            <a:r>
-              <a:rPr lang="en-CA" dirty="0"/>
-              <a:t>Containerization – Docker</a:t>
-            </a:r>
-          </a:p>
-          <a:p>
-            <a:r>
-              <a:rPr lang="en-CA" dirty="0"/>
-              <a:t>CI/CD – Jenkins Multibranch Pipeline - Diagram Pipeline</a:t>
-            </a:r>
-          </a:p>
-        </p:txBody>
-      </p:sp>
-    </p:spTree>
-    <p:extLst>
-      <p:ext uri="{BB962C8B-B14F-4D97-AF65-F5344CB8AC3E}">
-        <p14:creationId xmlns:p14="http://schemas.microsoft.com/office/powerpoint/2010/main" val="1838201755"/>
-      </p:ext>
-    </p:extLst>
-  </p:cSld>
-  <p:clrMapOvr>
-    <a:masterClrMapping/>
-  </p:clrMapOvr>
-</p:sld>
-</file>
-
-<file path=ppt/slides/slide7.xml><?xml version="1.0" encoding="utf-8"?>
-<p:sld xmlns:a="http://schemas.openxmlformats.org/drawingml/2006/main" xmlns:r="http://schemas.openxmlformats.org/officeDocument/2006/relationships" xmlns:p="http://schemas.openxmlformats.org/presentationml/2006/main">
-  <p:cSld>
-    <p:spTree>
-      <p:nvGrpSpPr>
-        <p:cNvPr id="1" name=""/>
-        <p:cNvGrpSpPr/>
-        <p:nvPr/>
-      </p:nvGrpSpPr>
-      <p:grpSpPr>
-        <a:xfrm>
-          <a:off x="0" y="0"/>
-          <a:ext cx="0" cy="0"/>
-          <a:chOff x="0" y="0"/>
-          <a:chExt cx="0" cy="0"/>
-        </a:xfrm>
-      </p:grpSpPr>
-      <p:sp>
-        <p:nvSpPr>
-          <p:cNvPr id="2" name="Title 1">
-            <a:extLst>
-              <a:ext uri="{FF2B5EF4-FFF2-40B4-BE49-F238E27FC236}">
-                <a16:creationId xmlns:a16="http://schemas.microsoft.com/office/drawing/2014/main" id="{FA906E1A-B7FC-4354-83F0-3A0F153733E2}"/>
-              </a:ext>
-            </a:extLst>
-          </p:cNvPr>
-          <p:cNvSpPr>
-            <a:spLocks noGrp="1"/>
-          </p:cNvSpPr>
-          <p:nvPr>
-            <p:ph type="title"/>
-          </p:nvPr>
-        </p:nvSpPr>
-        <p:spPr/>
-        <p:txBody>
-          <a:bodyPr/>
-          <a:lstStyle/>
-          <a:p>
-            <a:r>
-              <a:rPr lang="en-CA" dirty="0"/>
-              <a:t>Diagram.py</a:t>
-            </a:r>
-          </a:p>
-        </p:txBody>
-      </p:sp>
-      <p:sp>
-        <p:nvSpPr>
-          <p:cNvPr id="3" name="Content Placeholder 2">
-            <a:extLst>
-              <a:ext uri="{FF2B5EF4-FFF2-40B4-BE49-F238E27FC236}">
-                <a16:creationId xmlns:a16="http://schemas.microsoft.com/office/drawing/2014/main" id="{7FE78A2A-0DED-425C-B6E9-97154700E120}"/>
-              </a:ext>
-            </a:extLst>
-          </p:cNvPr>
-          <p:cNvSpPr>
-            <a:spLocks noGrp="1"/>
-          </p:cNvSpPr>
-          <p:nvPr>
-            <p:ph sz="half" idx="1"/>
-          </p:nvPr>
-        </p:nvSpPr>
-        <p:spPr>
-          <a:xfrm>
-            <a:off x="838199" y="1825625"/>
-            <a:ext cx="10222149" cy="4351338"/>
-          </a:xfrm>
-        </p:spPr>
-        <p:txBody>
-          <a:bodyPr/>
-          <a:lstStyle/>
-          <a:p>
-            <a:r>
-              <a:rPr lang="en-CA" dirty="0"/>
-              <a:t>100% Version Controlled</a:t>
-            </a:r>
-          </a:p>
-          <a:p>
-            <a:r>
-              <a:rPr lang="en-CA" dirty="0"/>
-              <a:t>Using python library diagram</a:t>
-            </a:r>
-          </a:p>
-          <a:p>
-            <a:r>
-              <a:rPr lang="en-CA" dirty="0"/>
-              <a:t>Changes are made in code, then image is subsequently generated</a:t>
-            </a:r>
-          </a:p>
-          <a:p>
-            <a:pPr marL="0" indent="0">
-              <a:buNone/>
-            </a:pPr>
-            <a:endParaRPr lang="en-CA" dirty="0"/>
-          </a:p>
-          <a:p>
-            <a:pPr marL="0" indent="0">
-              <a:buNone/>
-            </a:pPr>
-            <a:r>
-              <a:rPr lang="en-CA" dirty="0"/>
-              <a:t>Advantages:</a:t>
-            </a:r>
-          </a:p>
-          <a:p>
-            <a:r>
-              <a:rPr lang="en-CA" dirty="0"/>
-              <a:t>Changes are tracked</a:t>
-            </a:r>
-          </a:p>
-          <a:p>
-            <a:r>
-              <a:rPr lang="en-CA" dirty="0"/>
-              <a:t>Coders can design diagram without help of artists</a:t>
-            </a:r>
-          </a:p>
-          <a:p>
-            <a:r>
-              <a:rPr lang="en-CA" dirty="0"/>
-              <a:t>Helps multiple users collaborate</a:t>
-            </a:r>
-          </a:p>
-          <a:p>
-            <a:endParaRPr lang="en-CA" dirty="0"/>
-          </a:p>
-          <a:p>
-            <a:endParaRPr lang="en-CA" dirty="0"/>
-          </a:p>
-        </p:txBody>
-      </p:sp>
-    </p:spTree>
-    <p:extLst>
-      <p:ext uri="{BB962C8B-B14F-4D97-AF65-F5344CB8AC3E}">
-        <p14:creationId xmlns:p14="http://schemas.microsoft.com/office/powerpoint/2010/main" val="2123552538"/>
-      </p:ext>
-    </p:extLst>
-  </p:cSld>
-  <p:clrMapOvr>
-    <a:masterClrMapping/>
-  </p:clrMapOvr>
-</p:sld>
-</file>
-
-<file path=ppt/slides/slide8.xml><?xml version="1.0" encoding="utf-8"?>
-<p:sld xmlns:a="http://schemas.openxmlformats.org/drawingml/2006/main" xmlns:r="http://schemas.openxmlformats.org/officeDocument/2006/relationships" xmlns:p="http://schemas.openxmlformats.org/presentationml/2006/main">
-  <p:cSld>
-    <p:spTree>
-      <p:nvGrpSpPr>
-        <p:cNvPr id="1" name=""/>
-        <p:cNvGrpSpPr/>
-        <p:nvPr/>
-      </p:nvGrpSpPr>
-      <p:grpSpPr>
-        <a:xfrm>
-          <a:off x="0" y="0"/>
-          <a:ext cx="0" cy="0"/>
-          <a:chOff x="0" y="0"/>
-          <a:chExt cx="0" cy="0"/>
-        </a:xfrm>
-      </p:grpSpPr>
-      <p:sp>
-        <p:nvSpPr>
-          <p:cNvPr id="5" name="Title 4">
-            <a:extLst>
-              <a:ext uri="{FF2B5EF4-FFF2-40B4-BE49-F238E27FC236}">
-                <a16:creationId xmlns:a16="http://schemas.microsoft.com/office/drawing/2014/main" id="{CEC8C425-6314-422F-970F-F216BF891EA7}"/>
-              </a:ext>
-            </a:extLst>
-          </p:cNvPr>
-          <p:cNvSpPr>
-            <a:spLocks noGrp="1"/>
-          </p:cNvSpPr>
-          <p:nvPr>
-            <p:ph type="title"/>
-          </p:nvPr>
-        </p:nvSpPr>
-        <p:spPr/>
-        <p:txBody>
-          <a:bodyPr/>
-          <a:lstStyle/>
-          <a:p>
-            <a:r>
-              <a:rPr lang="en-CA" dirty="0"/>
-              <a:t>Diagram.py</a:t>
-            </a:r>
-          </a:p>
-        </p:txBody>
-      </p:sp>
-      <p:pic>
-        <p:nvPicPr>
-          <p:cNvPr id="8" name="Content Placeholder 7">
-            <a:extLst>
-              <a:ext uri="{FF2B5EF4-FFF2-40B4-BE49-F238E27FC236}">
-                <a16:creationId xmlns:a16="http://schemas.microsoft.com/office/drawing/2014/main" id="{0F8DCA7B-B96B-4258-B24B-1238733ED637}"/>
-              </a:ext>
-            </a:extLst>
-          </p:cNvPr>
-          <p:cNvPicPr>
-            <a:picLocks noGrp="1" noChangeAspect="1"/>
-          </p:cNvPicPr>
-          <p:nvPr>
-            <p:ph idx="1"/>
-          </p:nvPr>
-        </p:nvPicPr>
-        <p:blipFill>
-          <a:blip r:embed="rId2"/>
-          <a:stretch>
-            <a:fillRect/>
-          </a:stretch>
-        </p:blipFill>
-        <p:spPr>
-          <a:xfrm>
-            <a:off x="895620" y="1825625"/>
-            <a:ext cx="10400759" cy="4351338"/>
-          </a:xfrm>
-        </p:spPr>
-      </p:pic>
-    </p:spTree>
-    <p:extLst>
-      <p:ext uri="{BB962C8B-B14F-4D97-AF65-F5344CB8AC3E}">
-        <p14:creationId xmlns:p14="http://schemas.microsoft.com/office/powerpoint/2010/main" val="552684376"/>
-      </p:ext>
-    </p:extLst>
-  </p:cSld>
-  <p:clrMapOvr>
-    <a:masterClrMapping/>
-  </p:clrMapOvr>
-</p:sld>
-</file>
-
-<file path=ppt/slides/slide9.xml><?xml version="1.0" encoding="utf-8"?>
-<p:sld xmlns:a="http://schemas.openxmlformats.org/drawingml/2006/main" xmlns:r="http://schemas.openxmlformats.org/officeDocument/2006/relationships" xmlns:p="http://schemas.openxmlformats.org/presentationml/2006/main">
-  <p:cSld>
-    <p:spTree>
-      <p:nvGrpSpPr>
-        <p:cNvPr id="1" name=""/>
-        <p:cNvGrpSpPr/>
-        <p:nvPr/>
-      </p:nvGrpSpPr>
-      <p:grpSpPr>
-        <a:xfrm>
-          <a:off x="0" y="0"/>
-          <a:ext cx="0" cy="0"/>
-          <a:chOff x="0" y="0"/>
-          <a:chExt cx="0" cy="0"/>
-        </a:xfrm>
-      </p:grpSpPr>
-      <p:sp>
-        <p:nvSpPr>
-          <p:cNvPr id="2" name="Title 1">
-            <a:extLst>
-              <a:ext uri="{FF2B5EF4-FFF2-40B4-BE49-F238E27FC236}">
-                <a16:creationId xmlns:a16="http://schemas.microsoft.com/office/drawing/2014/main" id="{DDE0994F-9F02-45DB-80A0-227FD7D356CB}"/>
-              </a:ext>
-            </a:extLst>
-          </p:cNvPr>
-          <p:cNvSpPr>
-            <a:spLocks noGrp="1"/>
-          </p:cNvSpPr>
-          <p:nvPr>
-            <p:ph type="title"/>
-          </p:nvPr>
-        </p:nvSpPr>
-        <p:spPr/>
-        <p:txBody>
-          <a:bodyPr/>
-          <a:lstStyle/>
-          <a:p>
-            <a:r>
-              <a:rPr lang="en-CA" dirty="0"/>
-              <a:t>Diagram Generation &amp; Commit to Depot</a:t>
-            </a:r>
-          </a:p>
-        </p:txBody>
-      </p:sp>
-      <p:pic>
-        <p:nvPicPr>
-          <p:cNvPr id="5" name="Content Placeholder 4">
-            <a:extLst>
-              <a:ext uri="{FF2B5EF4-FFF2-40B4-BE49-F238E27FC236}">
-                <a16:creationId xmlns:a16="http://schemas.microsoft.com/office/drawing/2014/main" id="{8A44357F-3E13-416A-808B-4E9962DBBF1C}"/>
-              </a:ext>
-            </a:extLst>
-          </p:cNvPr>
-          <p:cNvPicPr>
-            <a:picLocks noGrp="1" noChangeAspect="1"/>
-          </p:cNvPicPr>
-          <p:nvPr>
-            <p:ph idx="1"/>
-          </p:nvPr>
-        </p:nvPicPr>
-        <p:blipFill>
-          <a:blip r:embed="rId2"/>
-          <a:stretch>
-            <a:fillRect/>
-          </a:stretch>
-        </p:blipFill>
-        <p:spPr>
-          <a:xfrm>
-            <a:off x="838200" y="2062273"/>
-            <a:ext cx="10515600" cy="3878041"/>
-          </a:xfrm>
-        </p:spPr>
-      </p:pic>
-    </p:spTree>
-    <p:extLst>
-      <p:ext uri="{BB962C8B-B14F-4D97-AF65-F5344CB8AC3E}">
-        <p14:creationId xmlns:p14="http://schemas.microsoft.com/office/powerpoint/2010/main" val="3430482005"/>
       </p:ext>
     </p:extLst>
   </p:cSld>
